--- a/intern_data_class1806/1_data_class_presentation.pptx
+++ b/intern_data_class1806/1_data_class_presentation.pptx
@@ -21,8 +21,8 @@
     <p:sldId id="267" r:id="rId12"/>
     <p:sldId id="268" r:id="rId13"/>
     <p:sldId id="269" r:id="rId14"/>
-    <p:sldId id="270" r:id="rId15"/>
-    <p:sldId id="276" r:id="rId16"/>
+    <p:sldId id="276" r:id="rId15"/>
+    <p:sldId id="270" r:id="rId16"/>
     <p:sldId id="271" r:id="rId17"/>
     <p:sldId id="272" r:id="rId18"/>
     <p:sldId id="274" r:id="rId19"/>
@@ -204,7 +204,7 @@
 </file>
 
 <file path=ppt/charts/chart1.xml><?xml version="1.0" encoding="utf-8"?>
-<c:chartSpace xmlns:c="http://schemas.openxmlformats.org/drawingml/2006/chart" xmlns:a="http://schemas.openxmlformats.org/drawingml/2006/main" xmlns:r="http://schemas.openxmlformats.org/officeDocument/2006/relationships">
+<c:chartSpace xmlns:c="http://schemas.openxmlformats.org/drawingml/2006/chart" xmlns:a="http://schemas.openxmlformats.org/drawingml/2006/main" xmlns:r="http://schemas.openxmlformats.org/officeDocument/2006/relationships" xmlns:c16r2="http://schemas.microsoft.com/office/drawing/2015/06/chart">
   <c:date1904 val="0"/>
   <c:lang val="en-US"/>
   <c:roundedCorners val="0"/>
@@ -264,1003 +264,1003 @@
                 <c:formatCode>#,##0</c:formatCode>
                 <c:ptCount val="333"/>
                 <c:pt idx="0">
-                  <c:v>59536.0</c:v>
+                  <c:v>59536</c:v>
                 </c:pt>
                 <c:pt idx="1">
-                  <c:v>43152.0</c:v>
+                  <c:v>43152</c:v>
                 </c:pt>
                 <c:pt idx="2">
-                  <c:v>38210.0</c:v>
+                  <c:v>38210</c:v>
                 </c:pt>
                 <c:pt idx="3">
-                  <c:v>44841.0</c:v>
+                  <c:v>44841</c:v>
                 </c:pt>
                 <c:pt idx="4">
-                  <c:v>49001.0</c:v>
+                  <c:v>49001</c:v>
                 </c:pt>
                 <c:pt idx="5">
-                  <c:v>48345.0</c:v>
+                  <c:v>48345</c:v>
                 </c:pt>
                 <c:pt idx="6">
-                  <c:v>43477.0</c:v>
+                  <c:v>43477</c:v>
                 </c:pt>
                 <c:pt idx="7">
-                  <c:v>48051.0</c:v>
+                  <c:v>48051</c:v>
                 </c:pt>
                 <c:pt idx="8">
-                  <c:v>43361.0</c:v>
+                  <c:v>43361</c:v>
                 </c:pt>
                 <c:pt idx="9">
-                  <c:v>48333.0</c:v>
+                  <c:v>48333</c:v>
                 </c:pt>
                 <c:pt idx="10">
-                  <c:v>49571.0</c:v>
+                  <c:v>49571</c:v>
                 </c:pt>
                 <c:pt idx="11">
-                  <c:v>35505.0</c:v>
+                  <c:v>35505</c:v>
                 </c:pt>
                 <c:pt idx="12">
-                  <c:v>39363.0</c:v>
+                  <c:v>39363</c:v>
                 </c:pt>
                 <c:pt idx="13">
-                  <c:v>48555.0</c:v>
+                  <c:v>48555</c:v>
                 </c:pt>
                 <c:pt idx="14">
-                  <c:v>46515.0</c:v>
+                  <c:v>46515</c:v>
                 </c:pt>
                 <c:pt idx="15">
-                  <c:v>44163.0</c:v>
+                  <c:v>44163</c:v>
                 </c:pt>
                 <c:pt idx="16">
-                  <c:v>53184.0</c:v>
+                  <c:v>53184</c:v>
                 </c:pt>
                 <c:pt idx="17">
-                  <c:v>53698.0</c:v>
+                  <c:v>53698</c:v>
                 </c:pt>
                 <c:pt idx="18">
-                  <c:v>45364.0</c:v>
+                  <c:v>45364</c:v>
                 </c:pt>
                 <c:pt idx="19">
-                  <c:v>54574.0</c:v>
+                  <c:v>54574</c:v>
                 </c:pt>
                 <c:pt idx="20">
-                  <c:v>48306.0</c:v>
+                  <c:v>48306</c:v>
                 </c:pt>
                 <c:pt idx="21">
-                  <c:v>48835.0</c:v>
+                  <c:v>48835</c:v>
                 </c:pt>
                 <c:pt idx="22">
-                  <c:v>53300.0</c:v>
+                  <c:v>53300</c:v>
                 </c:pt>
                 <c:pt idx="23">
-                  <c:v>36486.0</c:v>
+                  <c:v>36486</c:v>
                 </c:pt>
                 <c:pt idx="24">
-                  <c:v>34921.0</c:v>
+                  <c:v>34921</c:v>
                 </c:pt>
                 <c:pt idx="25">
-                  <c:v>41615.0</c:v>
+                  <c:v>41615</c:v>
                 </c:pt>
                 <c:pt idx="26">
-                  <c:v>39936.0</c:v>
+                  <c:v>39936</c:v>
                 </c:pt>
                 <c:pt idx="27">
-                  <c:v>37848.0</c:v>
+                  <c:v>37848</c:v>
                 </c:pt>
                 <c:pt idx="28">
-                  <c:v>46708.0</c:v>
+                  <c:v>46708</c:v>
                 </c:pt>
                 <c:pt idx="29">
-                  <c:v>39247.0</c:v>
+                  <c:v>39247</c:v>
                 </c:pt>
                 <c:pt idx="30">
-                  <c:v>40115.0</c:v>
+                  <c:v>40115</c:v>
                 </c:pt>
                 <c:pt idx="31">
-                  <c:v>41580.0</c:v>
+                  <c:v>41580</c:v>
                 </c:pt>
                 <c:pt idx="32">
-                  <c:v>33811.0</c:v>
+                  <c:v>33811</c:v>
                 </c:pt>
                 <c:pt idx="33">
-                  <c:v>46236.0</c:v>
+                  <c:v>46236</c:v>
                 </c:pt>
                 <c:pt idx="34">
-                  <c:v>43367.0</c:v>
+                  <c:v>43367</c:v>
                 </c:pt>
                 <c:pt idx="35">
-                  <c:v>51672.0</c:v>
+                  <c:v>51672</c:v>
                 </c:pt>
                 <c:pt idx="36">
-                  <c:v>47790.0</c:v>
+                  <c:v>47790</c:v>
                 </c:pt>
                 <c:pt idx="37">
-                  <c:v>53215.0</c:v>
+                  <c:v>53215</c:v>
                 </c:pt>
                 <c:pt idx="38">
-                  <c:v>40030.0</c:v>
+                  <c:v>40030</c:v>
                 </c:pt>
                 <c:pt idx="39">
-                  <c:v>37588.0</c:v>
+                  <c:v>37588</c:v>
                 </c:pt>
                 <c:pt idx="40">
-                  <c:v>40262.0</c:v>
+                  <c:v>40262</c:v>
                 </c:pt>
                 <c:pt idx="41">
-                  <c:v>42214.0</c:v>
+                  <c:v>42214</c:v>
                 </c:pt>
                 <c:pt idx="42">
-                  <c:v>45109.0</c:v>
+                  <c:v>45109</c:v>
                 </c:pt>
                 <c:pt idx="43">
-                  <c:v>47059.0</c:v>
+                  <c:v>47059</c:v>
                 </c:pt>
                 <c:pt idx="44">
-                  <c:v>40734.0</c:v>
+                  <c:v>40734</c:v>
                 </c:pt>
                 <c:pt idx="45">
-                  <c:v>50048.0</c:v>
+                  <c:v>50048</c:v>
                 </c:pt>
                 <c:pt idx="46">
-                  <c:v>63809.0</c:v>
+                  <c:v>63809</c:v>
                 </c:pt>
                 <c:pt idx="47">
-                  <c:v>70500.0</c:v>
+                  <c:v>70500</c:v>
                 </c:pt>
                 <c:pt idx="48">
-                  <c:v>49741.0</c:v>
+                  <c:v>49741</c:v>
                 </c:pt>
                 <c:pt idx="49">
-                  <c:v>58143.0</c:v>
+                  <c:v>58143</c:v>
                 </c:pt>
                 <c:pt idx="50">
-                  <c:v>46303.0</c:v>
+                  <c:v>46303</c:v>
                 </c:pt>
                 <c:pt idx="51">
-                  <c:v>54420.0</c:v>
+                  <c:v>54420</c:v>
                 </c:pt>
                 <c:pt idx="52">
-                  <c:v>43767.0</c:v>
+                  <c:v>43767</c:v>
                 </c:pt>
                 <c:pt idx="53">
-                  <c:v>50623.0</c:v>
+                  <c:v>50623</c:v>
                 </c:pt>
                 <c:pt idx="54">
-                  <c:v>57505.0</c:v>
+                  <c:v>57505</c:v>
                 </c:pt>
                 <c:pt idx="55">
-                  <c:v>64430.0</c:v>
+                  <c:v>64430</c:v>
                 </c:pt>
                 <c:pt idx="56">
-                  <c:v>103317.0</c:v>
+                  <c:v>103317</c:v>
                 </c:pt>
                 <c:pt idx="57">
-                  <c:v>66629.0</c:v>
+                  <c:v>66629</c:v>
                 </c:pt>
                 <c:pt idx="58">
-                  <c:v>44748.0</c:v>
+                  <c:v>44748</c:v>
                 </c:pt>
                 <c:pt idx="59">
-                  <c:v>42017.0</c:v>
+                  <c:v>42017</c:v>
                 </c:pt>
                 <c:pt idx="60">
-                  <c:v>52008.0</c:v>
+                  <c:v>52008</c:v>
                 </c:pt>
                 <c:pt idx="61">
-                  <c:v>48893.0</c:v>
+                  <c:v>48893</c:v>
                 </c:pt>
                 <c:pt idx="62">
-                  <c:v>68948.0</c:v>
+                  <c:v>68948</c:v>
                 </c:pt>
                 <c:pt idx="63">
-                  <c:v>86275.0</c:v>
+                  <c:v>86275</c:v>
                 </c:pt>
                 <c:pt idx="64">
-                  <c:v>53960.0</c:v>
+                  <c:v>53960</c:v>
                 </c:pt>
                 <c:pt idx="65">
-                  <c:v>87530.0</c:v>
+                  <c:v>87530</c:v>
                 </c:pt>
                 <c:pt idx="66">
-                  <c:v>57157.0</c:v>
+                  <c:v>57157</c:v>
                 </c:pt>
                 <c:pt idx="67">
-                  <c:v>94601.0</c:v>
+                  <c:v>94601</c:v>
                 </c:pt>
                 <c:pt idx="68">
-                  <c:v>107530.0</c:v>
+                  <c:v>107530</c:v>
                 </c:pt>
                 <c:pt idx="69">
-                  <c:v>88383.0</c:v>
+                  <c:v>88383</c:v>
                 </c:pt>
                 <c:pt idx="70">
-                  <c:v>70795.0</c:v>
+                  <c:v>70795</c:v>
                 </c:pt>
                 <c:pt idx="71">
-                  <c:v>63741.0</c:v>
+                  <c:v>63741</c:v>
                 </c:pt>
                 <c:pt idx="72">
-                  <c:v>54829.0</c:v>
+                  <c:v>54829</c:v>
                 </c:pt>
                 <c:pt idx="73">
-                  <c:v>46583.0</c:v>
+                  <c:v>46583</c:v>
                 </c:pt>
                 <c:pt idx="74">
-                  <c:v>51422.0</c:v>
+                  <c:v>51422</c:v>
                 </c:pt>
                 <c:pt idx="75">
-                  <c:v>50884.0</c:v>
+                  <c:v>50884</c:v>
                 </c:pt>
                 <c:pt idx="76">
-                  <c:v>50656.0</c:v>
+                  <c:v>50656</c:v>
                 </c:pt>
                 <c:pt idx="77">
-                  <c:v>47865.0</c:v>
+                  <c:v>47865</c:v>
                 </c:pt>
                 <c:pt idx="78">
-                  <c:v>46396.0</c:v>
+                  <c:v>46396</c:v>
                 </c:pt>
                 <c:pt idx="79">
-                  <c:v>41423.0</c:v>
+                  <c:v>41423</c:v>
                 </c:pt>
                 <c:pt idx="80">
-                  <c:v>51555.0</c:v>
+                  <c:v>51555</c:v>
                 </c:pt>
                 <c:pt idx="81">
-                  <c:v>42893.0</c:v>
+                  <c:v>42893</c:v>
                 </c:pt>
                 <c:pt idx="82">
-                  <c:v>48497.0</c:v>
+                  <c:v>48497</c:v>
                 </c:pt>
                 <c:pt idx="83">
-                  <c:v>65042.0</c:v>
+                  <c:v>65042</c:v>
                 </c:pt>
                 <c:pt idx="84">
-                  <c:v>63439.0</c:v>
+                  <c:v>63439</c:v>
                 </c:pt>
                 <c:pt idx="85">
-                  <c:v>45981.0</c:v>
+                  <c:v>45981</c:v>
                 </c:pt>
                 <c:pt idx="86">
-                  <c:v>41766.0</c:v>
+                  <c:v>41766</c:v>
                 </c:pt>
                 <c:pt idx="87">
-                  <c:v>48265.0</c:v>
+                  <c:v>48265</c:v>
                 </c:pt>
                 <c:pt idx="88">
-                  <c:v>62474.0</c:v>
+                  <c:v>62474</c:v>
                 </c:pt>
                 <c:pt idx="89">
-                  <c:v>57413.0</c:v>
+                  <c:v>57413</c:v>
                 </c:pt>
                 <c:pt idx="90">
-                  <c:v>45869.0</c:v>
+                  <c:v>45869</c:v>
                 </c:pt>
                 <c:pt idx="91">
-                  <c:v>42999.0</c:v>
+                  <c:v>42999</c:v>
                 </c:pt>
                 <c:pt idx="92">
-                  <c:v>35734.0</c:v>
+                  <c:v>35734</c:v>
                 </c:pt>
                 <c:pt idx="93">
-                  <c:v>43987.0</c:v>
+                  <c:v>43987</c:v>
                 </c:pt>
                 <c:pt idx="94">
-                  <c:v>44677.0</c:v>
+                  <c:v>44677</c:v>
                 </c:pt>
                 <c:pt idx="95">
-                  <c:v>36275.0</c:v>
+                  <c:v>36275</c:v>
                 </c:pt>
                 <c:pt idx="96">
-                  <c:v>46260.0</c:v>
+                  <c:v>46260</c:v>
                 </c:pt>
                 <c:pt idx="97">
-                  <c:v>48907.0</c:v>
+                  <c:v>48907</c:v>
                 </c:pt>
                 <c:pt idx="98">
-                  <c:v>48618.0</c:v>
+                  <c:v>48618</c:v>
                 </c:pt>
                 <c:pt idx="99">
-                  <c:v>41152.0</c:v>
+                  <c:v>41152</c:v>
                 </c:pt>
                 <c:pt idx="100">
-                  <c:v>40251.0</c:v>
+                  <c:v>40251</c:v>
                 </c:pt>
                 <c:pt idx="101">
-                  <c:v>42937.0</c:v>
+                  <c:v>42937</c:v>
                 </c:pt>
                 <c:pt idx="102">
-                  <c:v>44877.0</c:v>
+                  <c:v>44877</c:v>
                 </c:pt>
                 <c:pt idx="103">
-                  <c:v>38838.0</c:v>
+                  <c:v>38838</c:v>
                 </c:pt>
                 <c:pt idx="104">
-                  <c:v>41099.0</c:v>
+                  <c:v>41099</c:v>
                 </c:pt>
                 <c:pt idx="105">
-                  <c:v>50330.0</c:v>
+                  <c:v>50330</c:v>
                 </c:pt>
                 <c:pt idx="106">
-                  <c:v>46059.0</c:v>
+                  <c:v>46059</c:v>
                 </c:pt>
                 <c:pt idx="107">
-                  <c:v>51896.0</c:v>
+                  <c:v>51896</c:v>
                 </c:pt>
                 <c:pt idx="108">
-                  <c:v>58640.0</c:v>
+                  <c:v>58640</c:v>
                 </c:pt>
                 <c:pt idx="109">
-                  <c:v>63126.0</c:v>
+                  <c:v>63126</c:v>
                 </c:pt>
                 <c:pt idx="110">
-                  <c:v>67324.0</c:v>
+                  <c:v>67324</c:v>
                 </c:pt>
                 <c:pt idx="111">
-                  <c:v>75313.0</c:v>
+                  <c:v>75313</c:v>
                 </c:pt>
                 <c:pt idx="112">
-                  <c:v>97725.0</c:v>
+                  <c:v>97725</c:v>
                 </c:pt>
                 <c:pt idx="113">
-                  <c:v>66765.0</c:v>
+                  <c:v>66765</c:v>
                 </c:pt>
                 <c:pt idx="114">
-                  <c:v>82850.0</c:v>
+                  <c:v>82850</c:v>
                 </c:pt>
                 <c:pt idx="115">
-                  <c:v>54089.0</c:v>
+                  <c:v>54089</c:v>
                 </c:pt>
                 <c:pt idx="116">
-                  <c:v>54317.0</c:v>
+                  <c:v>54317</c:v>
                 </c:pt>
                 <c:pt idx="117">
-                  <c:v>84887.0</c:v>
+                  <c:v>84887</c:v>
                 </c:pt>
                 <c:pt idx="118">
-                  <c:v>60691.0</c:v>
+                  <c:v>60691</c:v>
                 </c:pt>
                 <c:pt idx="119">
-                  <c:v>53182.0</c:v>
+                  <c:v>53182</c:v>
                 </c:pt>
                 <c:pt idx="120">
-                  <c:v>87353.0</c:v>
+                  <c:v>87353</c:v>
                 </c:pt>
                 <c:pt idx="121">
-                  <c:v>55943.0</c:v>
+                  <c:v>55943</c:v>
                 </c:pt>
                 <c:pt idx="122">
-                  <c:v>45197.0</c:v>
+                  <c:v>45197</c:v>
                 </c:pt>
                 <c:pt idx="123">
-                  <c:v>58470.0</c:v>
+                  <c:v>58470</c:v>
                 </c:pt>
                 <c:pt idx="124">
-                  <c:v>45446.0</c:v>
+                  <c:v>45446</c:v>
                 </c:pt>
                 <c:pt idx="125">
-                  <c:v>52460.0</c:v>
+                  <c:v>52460</c:v>
                 </c:pt>
                 <c:pt idx="126">
-                  <c:v>54516.0</c:v>
+                  <c:v>54516</c:v>
                 </c:pt>
                 <c:pt idx="127">
-                  <c:v>45274.0</c:v>
+                  <c:v>45274</c:v>
                 </c:pt>
                 <c:pt idx="128">
-                  <c:v>50145.0</c:v>
+                  <c:v>50145</c:v>
                 </c:pt>
                 <c:pt idx="129">
-                  <c:v>43430.0</c:v>
+                  <c:v>43430</c:v>
                 </c:pt>
                 <c:pt idx="130">
-                  <c:v>48446.0</c:v>
+                  <c:v>48446</c:v>
                 </c:pt>
                 <c:pt idx="131">
-                  <c:v>67253.0</c:v>
+                  <c:v>67253</c:v>
                 </c:pt>
                 <c:pt idx="132">
-                  <c:v>49206.0</c:v>
+                  <c:v>49206</c:v>
                 </c:pt>
                 <c:pt idx="133">
-                  <c:v>50527.0</c:v>
+                  <c:v>50527</c:v>
                 </c:pt>
                 <c:pt idx="134">
-                  <c:v>47027.0</c:v>
+                  <c:v>47027</c:v>
                 </c:pt>
                 <c:pt idx="135">
-                  <c:v>47115.0</c:v>
+                  <c:v>47115</c:v>
                 </c:pt>
                 <c:pt idx="136">
-                  <c:v>48125.0</c:v>
+                  <c:v>48125</c:v>
                 </c:pt>
                 <c:pt idx="137">
-                  <c:v>45180.0</c:v>
+                  <c:v>45180</c:v>
                 </c:pt>
                 <c:pt idx="138">
-                  <c:v>39810.0</c:v>
+                  <c:v>39810</c:v>
                 </c:pt>
                 <c:pt idx="139">
-                  <c:v>49661.0</c:v>
+                  <c:v>49661</c:v>
                 </c:pt>
                 <c:pt idx="140">
-                  <c:v>41993.0</c:v>
+                  <c:v>41993</c:v>
                 </c:pt>
                 <c:pt idx="141">
-                  <c:v>55111.0</c:v>
+                  <c:v>55111</c:v>
                 </c:pt>
                 <c:pt idx="142">
-                  <c:v>50161.0</c:v>
+                  <c:v>50161</c:v>
                 </c:pt>
                 <c:pt idx="143">
-                  <c:v>47807.0</c:v>
+                  <c:v>47807</c:v>
                 </c:pt>
                 <c:pt idx="144">
-                  <c:v>49158.0</c:v>
+                  <c:v>49158</c:v>
                 </c:pt>
                 <c:pt idx="145">
-                  <c:v>45814.0</c:v>
+                  <c:v>45814</c:v>
                 </c:pt>
                 <c:pt idx="146">
-                  <c:v>49108.0</c:v>
+                  <c:v>49108</c:v>
                 </c:pt>
                 <c:pt idx="147">
-                  <c:v>42710.0</c:v>
+                  <c:v>42710</c:v>
                 </c:pt>
                 <c:pt idx="148">
-                  <c:v>39633.0</c:v>
+                  <c:v>39633</c:v>
                 </c:pt>
                 <c:pt idx="149">
-                  <c:v>38743.0</c:v>
+                  <c:v>38743</c:v>
                 </c:pt>
                 <c:pt idx="150">
-                  <c:v>38517.0</c:v>
+                  <c:v>38517</c:v>
                 </c:pt>
                 <c:pt idx="151">
-                  <c:v>37263.0</c:v>
+                  <c:v>37263</c:v>
                 </c:pt>
                 <c:pt idx="152">
-                  <c:v>41202.0</c:v>
+                  <c:v>41202</c:v>
                 </c:pt>
                 <c:pt idx="153">
-                  <c:v>44525.0</c:v>
+                  <c:v>44525</c:v>
                 </c:pt>
                 <c:pt idx="154">
-                  <c:v>40165.0</c:v>
+                  <c:v>40165</c:v>
                 </c:pt>
                 <c:pt idx="155">
-                  <c:v>44759.0</c:v>
+                  <c:v>44759</c:v>
                 </c:pt>
                 <c:pt idx="156">
-                  <c:v>52127.0</c:v>
+                  <c:v>52127</c:v>
                 </c:pt>
                 <c:pt idx="157">
-                  <c:v>51924.0</c:v>
+                  <c:v>51924</c:v>
                 </c:pt>
                 <c:pt idx="158">
-                  <c:v>54276.0</c:v>
+                  <c:v>54276</c:v>
                 </c:pt>
                 <c:pt idx="159">
-                  <c:v>56219.0</c:v>
+                  <c:v>56219</c:v>
                 </c:pt>
                 <c:pt idx="160">
-                  <c:v>53569.0</c:v>
+                  <c:v>53569</c:v>
                 </c:pt>
                 <c:pt idx="161">
-                  <c:v>50867.0</c:v>
+                  <c:v>50867</c:v>
                 </c:pt>
                 <c:pt idx="162">
-                  <c:v>48824.0</c:v>
+                  <c:v>48824</c:v>
                 </c:pt>
                 <c:pt idx="163">
-                  <c:v>59388.0</c:v>
+                  <c:v>59388</c:v>
                 </c:pt>
                 <c:pt idx="164">
-                  <c:v>58626.0</c:v>
+                  <c:v>58626</c:v>
                 </c:pt>
                 <c:pt idx="165">
-                  <c:v>48890.0</c:v>
+                  <c:v>48890</c:v>
                 </c:pt>
                 <c:pt idx="166">
-                  <c:v>50824.0</c:v>
+                  <c:v>50824</c:v>
                 </c:pt>
                 <c:pt idx="167">
-                  <c:v>47438.0</c:v>
+                  <c:v>47438</c:v>
                 </c:pt>
                 <c:pt idx="168">
-                  <c:v>43838.0</c:v>
+                  <c:v>43838</c:v>
                 </c:pt>
                 <c:pt idx="169">
-                  <c:v>59460.0</c:v>
+                  <c:v>59460</c:v>
                 </c:pt>
                 <c:pt idx="170">
-                  <c:v>73494.0</c:v>
+                  <c:v>73494</c:v>
                 </c:pt>
                 <c:pt idx="171">
-                  <c:v>70069.0</c:v>
+                  <c:v>70069</c:v>
                 </c:pt>
                 <c:pt idx="172">
-                  <c:v>57282.0</c:v>
+                  <c:v>57282</c:v>
                 </c:pt>
                 <c:pt idx="173">
-                  <c:v>61737.0</c:v>
+                  <c:v>61737</c:v>
                 </c:pt>
                 <c:pt idx="174">
-                  <c:v>69050.0</c:v>
+                  <c:v>69050</c:v>
                 </c:pt>
                 <c:pt idx="175">
-                  <c:v>75043.0</c:v>
+                  <c:v>75043</c:v>
                 </c:pt>
                 <c:pt idx="176">
-                  <c:v>70740.0</c:v>
+                  <c:v>70740</c:v>
                 </c:pt>
                 <c:pt idx="177">
-                  <c:v>51000.0</c:v>
+                  <c:v>51000</c:v>
                 </c:pt>
                 <c:pt idx="178">
-                  <c:v>45882.0</c:v>
+                  <c:v>45882</c:v>
                 </c:pt>
                 <c:pt idx="179">
-                  <c:v>38808.0</c:v>
+                  <c:v>38808</c:v>
                 </c:pt>
                 <c:pt idx="180">
-                  <c:v>38259.0</c:v>
+                  <c:v>38259</c:v>
                 </c:pt>
                 <c:pt idx="181">
-                  <c:v>39983.0</c:v>
+                  <c:v>39983</c:v>
                 </c:pt>
                 <c:pt idx="182">
-                  <c:v>42000.0</c:v>
+                  <c:v>42000</c:v>
                 </c:pt>
                 <c:pt idx="183">
-                  <c:v>39377.0</c:v>
+                  <c:v>39377</c:v>
                 </c:pt>
                 <c:pt idx="184">
-                  <c:v>34378.0</c:v>
+                  <c:v>34378</c:v>
                 </c:pt>
                 <c:pt idx="185">
-                  <c:v>62490.0</c:v>
+                  <c:v>62490</c:v>
                 </c:pt>
                 <c:pt idx="186">
-                  <c:v>51429.0</c:v>
+                  <c:v>51429</c:v>
                 </c:pt>
                 <c:pt idx="187">
-                  <c:v>50916.0</c:v>
+                  <c:v>50916</c:v>
                 </c:pt>
                 <c:pt idx="188">
-                  <c:v>59812.0</c:v>
+                  <c:v>59812</c:v>
                 </c:pt>
                 <c:pt idx="189">
-                  <c:v>47216.0</c:v>
+                  <c:v>47216</c:v>
                 </c:pt>
                 <c:pt idx="190">
-                  <c:v>43796.0</c:v>
+                  <c:v>43796</c:v>
                 </c:pt>
                 <c:pt idx="191">
-                  <c:v>45576.0</c:v>
+                  <c:v>45576</c:v>
                 </c:pt>
                 <c:pt idx="192">
-                  <c:v>43806.0</c:v>
+                  <c:v>43806</c:v>
                 </c:pt>
                 <c:pt idx="193">
-                  <c:v>46439.0</c:v>
+                  <c:v>46439</c:v>
                 </c:pt>
                 <c:pt idx="194">
-                  <c:v>43664.0</c:v>
+                  <c:v>43664</c:v>
                 </c:pt>
                 <c:pt idx="195">
-                  <c:v>49206.0</c:v>
+                  <c:v>49206</c:v>
                 </c:pt>
                 <c:pt idx="196">
-                  <c:v>43700.0</c:v>
+                  <c:v>43700</c:v>
                 </c:pt>
                 <c:pt idx="197">
-                  <c:v>42163.0</c:v>
+                  <c:v>42163</c:v>
                 </c:pt>
                 <c:pt idx="198">
-                  <c:v>53883.0</c:v>
+                  <c:v>53883</c:v>
                 </c:pt>
                 <c:pt idx="199">
-                  <c:v>44577.0</c:v>
+                  <c:v>44577</c:v>
                 </c:pt>
                 <c:pt idx="200">
-                  <c:v>40522.0</c:v>
+                  <c:v>40522</c:v>
                 </c:pt>
                 <c:pt idx="201">
-                  <c:v>46650.0</c:v>
+                  <c:v>46650</c:v>
                 </c:pt>
                 <c:pt idx="202">
-                  <c:v>46911.0</c:v>
+                  <c:v>46911</c:v>
                 </c:pt>
                 <c:pt idx="203">
-                  <c:v>39874.0</c:v>
+                  <c:v>39874</c:v>
                 </c:pt>
                 <c:pt idx="204">
-                  <c:v>42104.0</c:v>
+                  <c:v>42104</c:v>
                 </c:pt>
                 <c:pt idx="205">
-                  <c:v>43591.0</c:v>
+                  <c:v>43591</c:v>
                 </c:pt>
                 <c:pt idx="206">
-                  <c:v>47437.0</c:v>
+                  <c:v>47437</c:v>
                 </c:pt>
                 <c:pt idx="207">
-                  <c:v>46203.0</c:v>
+                  <c:v>46203</c:v>
                 </c:pt>
                 <c:pt idx="208">
-                  <c:v>43937.0</c:v>
+                  <c:v>43937</c:v>
                 </c:pt>
                 <c:pt idx="209">
-                  <c:v>65120.0</c:v>
+                  <c:v>65120</c:v>
                 </c:pt>
                 <c:pt idx="210">
-                  <c:v>59889.0</c:v>
+                  <c:v>59889</c:v>
                 </c:pt>
                 <c:pt idx="211">
-                  <c:v>44165.0</c:v>
+                  <c:v>44165</c:v>
                 </c:pt>
                 <c:pt idx="212">
-                  <c:v>39728.0</c:v>
+                  <c:v>39728</c:v>
                 </c:pt>
                 <c:pt idx="213">
-                  <c:v>40241.0</c:v>
+                  <c:v>40241</c:v>
                 </c:pt>
                 <c:pt idx="214">
-                  <c:v>39035.0</c:v>
+                  <c:v>39035</c:v>
                 </c:pt>
                 <c:pt idx="215">
-                  <c:v>45058.0</c:v>
+                  <c:v>45058</c:v>
                 </c:pt>
                 <c:pt idx="216">
-                  <c:v>45601.0</c:v>
+                  <c:v>45601</c:v>
                 </c:pt>
                 <c:pt idx="217">
-                  <c:v>56342.0</c:v>
+                  <c:v>56342</c:v>
                 </c:pt>
                 <c:pt idx="218">
-                  <c:v>49548.0</c:v>
+                  <c:v>49548</c:v>
                 </c:pt>
                 <c:pt idx="219">
-                  <c:v>45188.0</c:v>
+                  <c:v>45188</c:v>
                 </c:pt>
                 <c:pt idx="220">
-                  <c:v>43815.0</c:v>
+                  <c:v>43815</c:v>
                 </c:pt>
                 <c:pt idx="221">
-                  <c:v>58618.0</c:v>
+                  <c:v>58618</c:v>
                 </c:pt>
                 <c:pt idx="222">
-                  <c:v>44159.0</c:v>
+                  <c:v>44159</c:v>
                 </c:pt>
                 <c:pt idx="223">
-                  <c:v>46670.0</c:v>
+                  <c:v>46670</c:v>
                 </c:pt>
                 <c:pt idx="224">
-                  <c:v>43447.0</c:v>
+                  <c:v>43447</c:v>
                 </c:pt>
                 <c:pt idx="225">
-                  <c:v>42530.0</c:v>
+                  <c:v>42530</c:v>
                 </c:pt>
                 <c:pt idx="226">
-                  <c:v>42486.0</c:v>
+                  <c:v>42486</c:v>
                 </c:pt>
                 <c:pt idx="227">
-                  <c:v>40483.0</c:v>
+                  <c:v>40483</c:v>
                 </c:pt>
                 <c:pt idx="228">
-                  <c:v>41169.0</c:v>
+                  <c:v>41169</c:v>
                 </c:pt>
                 <c:pt idx="229">
-                  <c:v>40956.0</c:v>
+                  <c:v>40956</c:v>
                 </c:pt>
                 <c:pt idx="230">
-                  <c:v>45557.0</c:v>
+                  <c:v>45557</c:v>
                 </c:pt>
                 <c:pt idx="231">
-                  <c:v>44975.0</c:v>
+                  <c:v>44975</c:v>
                 </c:pt>
                 <c:pt idx="232">
-                  <c:v>53206.0</c:v>
+                  <c:v>53206</c:v>
                 </c:pt>
                 <c:pt idx="233">
-                  <c:v>40598.0</c:v>
+                  <c:v>40598</c:v>
                 </c:pt>
                 <c:pt idx="234">
-                  <c:v>35444.0</c:v>
+                  <c:v>35444</c:v>
                 </c:pt>
                 <c:pt idx="235">
-                  <c:v>36762.0</c:v>
+                  <c:v>36762</c:v>
                 </c:pt>
                 <c:pt idx="236">
-                  <c:v>39013.0</c:v>
+                  <c:v>39013</c:v>
                 </c:pt>
                 <c:pt idx="237">
-                  <c:v>39306.0</c:v>
+                  <c:v>39306</c:v>
                 </c:pt>
                 <c:pt idx="238">
-                  <c:v>64587.0</c:v>
+                  <c:v>64587</c:v>
                 </c:pt>
                 <c:pt idx="239">
-                  <c:v>53350.0</c:v>
+                  <c:v>53350</c:v>
                 </c:pt>
                 <c:pt idx="240">
-                  <c:v>75059.0</c:v>
+                  <c:v>75059</c:v>
                 </c:pt>
                 <c:pt idx="241">
-                  <c:v>46602.0</c:v>
+                  <c:v>46602</c:v>
                 </c:pt>
                 <c:pt idx="242">
-                  <c:v>60120.0</c:v>
+                  <c:v>60120</c:v>
                 </c:pt>
                 <c:pt idx="243">
-                  <c:v>63625.0</c:v>
+                  <c:v>63625</c:v>
                 </c:pt>
                 <c:pt idx="244">
-                  <c:v>69763.0</c:v>
+                  <c:v>69763</c:v>
                 </c:pt>
                 <c:pt idx="245">
-                  <c:v>45448.0</c:v>
+                  <c:v>45448</c:v>
                 </c:pt>
                 <c:pt idx="246">
-                  <c:v>40370.0</c:v>
+                  <c:v>40370</c:v>
                 </c:pt>
                 <c:pt idx="247">
-                  <c:v>43176.0</c:v>
+                  <c:v>43176</c:v>
                 </c:pt>
                 <c:pt idx="248">
-                  <c:v>42275.0</c:v>
+                  <c:v>42275</c:v>
                 </c:pt>
                 <c:pt idx="249">
-                  <c:v>47064.0</c:v>
+                  <c:v>47064</c:v>
                 </c:pt>
                 <c:pt idx="250">
-                  <c:v>58830.0</c:v>
+                  <c:v>58830</c:v>
                 </c:pt>
                 <c:pt idx="251">
-                  <c:v>45647.0</c:v>
+                  <c:v>45647</c:v>
                 </c:pt>
                 <c:pt idx="252">
-                  <c:v>57288.0</c:v>
+                  <c:v>57288</c:v>
                 </c:pt>
                 <c:pt idx="253">
-                  <c:v>43682.0</c:v>
+                  <c:v>43682</c:v>
                 </c:pt>
                 <c:pt idx="254">
-                  <c:v>48051.0</c:v>
+                  <c:v>48051</c:v>
                 </c:pt>
                 <c:pt idx="255">
-                  <c:v>45627.0</c:v>
+                  <c:v>45627</c:v>
                 </c:pt>
                 <c:pt idx="256">
-                  <c:v>46935.0</c:v>
+                  <c:v>46935</c:v>
                 </c:pt>
                 <c:pt idx="257">
-                  <c:v>45509.0</c:v>
+                  <c:v>45509</c:v>
                 </c:pt>
                 <c:pt idx="258">
-                  <c:v>44209.0</c:v>
+                  <c:v>44209</c:v>
                 </c:pt>
                 <c:pt idx="259">
-                  <c:v>46161.0</c:v>
+                  <c:v>46161</c:v>
                 </c:pt>
                 <c:pt idx="260">
-                  <c:v>43662.0</c:v>
+                  <c:v>43662</c:v>
                 </c:pt>
                 <c:pt idx="261">
-                  <c:v>51621.0</c:v>
+                  <c:v>51621</c:v>
                 </c:pt>
                 <c:pt idx="262">
-                  <c:v>53660.0</c:v>
+                  <c:v>53660</c:v>
                 </c:pt>
                 <c:pt idx="263">
-                  <c:v>37761.0</c:v>
+                  <c:v>37761</c:v>
                 </c:pt>
                 <c:pt idx="264">
-                  <c:v>43013.0</c:v>
+                  <c:v>43013</c:v>
                 </c:pt>
                 <c:pt idx="265">
-                  <c:v>38234.0</c:v>
+                  <c:v>38234</c:v>
                 </c:pt>
                 <c:pt idx="266">
-                  <c:v>45658.0</c:v>
+                  <c:v>45658</c:v>
                 </c:pt>
                 <c:pt idx="267">
-                  <c:v>55656.0</c:v>
+                  <c:v>55656</c:v>
                 </c:pt>
                 <c:pt idx="268">
-                  <c:v>42945.0</c:v>
+                  <c:v>42945</c:v>
                 </c:pt>
                 <c:pt idx="269">
-                  <c:v>53727.0</c:v>
+                  <c:v>53727</c:v>
                 </c:pt>
                 <c:pt idx="270">
-                  <c:v>110158.0</c:v>
+                  <c:v>110158</c:v>
                 </c:pt>
                 <c:pt idx="271">
-                  <c:v>72721.0</c:v>
+                  <c:v>72721</c:v>
                 </c:pt>
                 <c:pt idx="272">
-                  <c:v>53910.0</c:v>
+                  <c:v>53910</c:v>
                 </c:pt>
                 <c:pt idx="273">
-                  <c:v>55822.0</c:v>
+                  <c:v>55822</c:v>
                 </c:pt>
                 <c:pt idx="274">
-                  <c:v>53062.0</c:v>
+                  <c:v>53062</c:v>
                 </c:pt>
                 <c:pt idx="275">
-                  <c:v>59470.0</c:v>
+                  <c:v>59470</c:v>
                 </c:pt>
                 <c:pt idx="276">
-                  <c:v>59765.0</c:v>
+                  <c:v>59765</c:v>
                 </c:pt>
                 <c:pt idx="277">
-                  <c:v>52377.0</c:v>
+                  <c:v>52377</c:v>
                 </c:pt>
                 <c:pt idx="278">
-                  <c:v>52244.0</c:v>
+                  <c:v>52244</c:v>
                 </c:pt>
                 <c:pt idx="279">
-                  <c:v>55472.0</c:v>
+                  <c:v>55472</c:v>
                 </c:pt>
                 <c:pt idx="280">
-                  <c:v>53147.0</c:v>
+                  <c:v>53147</c:v>
                 </c:pt>
                 <c:pt idx="281">
-                  <c:v>50078.0</c:v>
+                  <c:v>50078</c:v>
                 </c:pt>
                 <c:pt idx="282">
-                  <c:v>57149.0</c:v>
+                  <c:v>57149</c:v>
                 </c:pt>
                 <c:pt idx="283">
-                  <c:v>56451.0</c:v>
+                  <c:v>56451</c:v>
                 </c:pt>
                 <c:pt idx="284">
-                  <c:v>71180.0</c:v>
+                  <c:v>71180</c:v>
                 </c:pt>
                 <c:pt idx="285">
-                  <c:v>56404.0</c:v>
+                  <c:v>56404</c:v>
                 </c:pt>
                 <c:pt idx="286">
-                  <c:v>66591.0</c:v>
+                  <c:v>66591</c:v>
                 </c:pt>
                 <c:pt idx="287">
-                  <c:v>52031.0</c:v>
+                  <c:v>52031</c:v>
                 </c:pt>
                 <c:pt idx="288">
-                  <c:v>67068.0</c:v>
+                  <c:v>67068</c:v>
                 </c:pt>
                 <c:pt idx="289">
-                  <c:v>56056.0</c:v>
+                  <c:v>56056</c:v>
                 </c:pt>
                 <c:pt idx="290">
-                  <c:v>42236.0</c:v>
+                  <c:v>42236</c:v>
                 </c:pt>
                 <c:pt idx="291">
-                  <c:v>46782.0</c:v>
+                  <c:v>46782</c:v>
                 </c:pt>
                 <c:pt idx="292">
-                  <c:v>42535.0</c:v>
+                  <c:v>42535</c:v>
                 </c:pt>
                 <c:pt idx="293">
-                  <c:v>53901.0</c:v>
+                  <c:v>53901</c:v>
                 </c:pt>
                 <c:pt idx="294">
-                  <c:v>79323.0</c:v>
+                  <c:v>79323</c:v>
                 </c:pt>
                 <c:pt idx="295">
-                  <c:v>83173.0</c:v>
+                  <c:v>83173</c:v>
                 </c:pt>
                 <c:pt idx="296">
-                  <c:v>50013.0</c:v>
+                  <c:v>50013</c:v>
                 </c:pt>
                 <c:pt idx="297">
-                  <c:v>49591.0</c:v>
+                  <c:v>49591</c:v>
                 </c:pt>
                 <c:pt idx="298">
-                  <c:v>65307.0</c:v>
+                  <c:v>65307</c:v>
                 </c:pt>
                 <c:pt idx="299">
-                  <c:v>53585.0</c:v>
+                  <c:v>53585</c:v>
                 </c:pt>
                 <c:pt idx="300">
-                  <c:v>42495.0</c:v>
+                  <c:v>42495</c:v>
                 </c:pt>
                 <c:pt idx="301">
-                  <c:v>47787.0</c:v>
+                  <c:v>47787</c:v>
                 </c:pt>
                 <c:pt idx="302">
-                  <c:v>41271.0</c:v>
+                  <c:v>41271</c:v>
                 </c:pt>
                 <c:pt idx="303">
-                  <c:v>47881.0</c:v>
+                  <c:v>47881</c:v>
                 </c:pt>
                 <c:pt idx="304">
-                  <c:v>56416.0</c:v>
+                  <c:v>56416</c:v>
                 </c:pt>
                 <c:pt idx="305">
-                  <c:v>41857.0</c:v>
+                  <c:v>41857</c:v>
                 </c:pt>
                 <c:pt idx="306">
-                  <c:v>45289.0</c:v>
+                  <c:v>45289</c:v>
                 </c:pt>
                 <c:pt idx="307">
-                  <c:v>40198.0</c:v>
+                  <c:v>40198</c:v>
                 </c:pt>
                 <c:pt idx="308">
-                  <c:v>40686.0</c:v>
+                  <c:v>40686</c:v>
                 </c:pt>
                 <c:pt idx="309">
-                  <c:v>39423.0</c:v>
+                  <c:v>39423</c:v>
                 </c:pt>
                 <c:pt idx="310">
-                  <c:v>38187.0</c:v>
+                  <c:v>38187</c:v>
                 </c:pt>
                 <c:pt idx="311">
-                  <c:v>35651.0</c:v>
+                  <c:v>35651</c:v>
                 </c:pt>
                 <c:pt idx="312">
-                  <c:v>43057.0</c:v>
+                  <c:v>43057</c:v>
                 </c:pt>
                 <c:pt idx="313">
-                  <c:v>41616.0</c:v>
+                  <c:v>41616</c:v>
                 </c:pt>
                 <c:pt idx="314">
-                  <c:v>43957.0</c:v>
+                  <c:v>43957</c:v>
                 </c:pt>
                 <c:pt idx="315">
-                  <c:v>59730.0</c:v>
+                  <c:v>59730</c:v>
                 </c:pt>
                 <c:pt idx="316">
-                  <c:v>56379.0</c:v>
+                  <c:v>56379</c:v>
                 </c:pt>
                 <c:pt idx="317">
-                  <c:v>56463.0</c:v>
+                  <c:v>56463</c:v>
                 </c:pt>
                 <c:pt idx="318">
-                  <c:v>55759.0</c:v>
+                  <c:v>55759</c:v>
                 </c:pt>
                 <c:pt idx="319">
-                  <c:v>51796.0</c:v>
+                  <c:v>51796</c:v>
                 </c:pt>
                 <c:pt idx="320">
-                  <c:v>46213.0</c:v>
+                  <c:v>46213</c:v>
                 </c:pt>
                 <c:pt idx="321">
-                  <c:v>44735.0</c:v>
+                  <c:v>44735</c:v>
                 </c:pt>
                 <c:pt idx="322">
-                  <c:v>63706.0</c:v>
+                  <c:v>63706</c:v>
                 </c:pt>
                 <c:pt idx="323">
-                  <c:v>50581.0</c:v>
+                  <c:v>50581</c:v>
                 </c:pt>
                 <c:pt idx="324">
-                  <c:v>57575.0</c:v>
+                  <c:v>57575</c:v>
                 </c:pt>
                 <c:pt idx="325">
-                  <c:v>53146.0</c:v>
+                  <c:v>53146</c:v>
                 </c:pt>
                 <c:pt idx="326">
-                  <c:v>61069.0</c:v>
+                  <c:v>61069</c:v>
                 </c:pt>
                 <c:pt idx="327">
-                  <c:v>63210.0</c:v>
+                  <c:v>63210</c:v>
                 </c:pt>
                 <c:pt idx="328">
-                  <c:v>88886.0</c:v>
+                  <c:v>88886</c:v>
                 </c:pt>
                 <c:pt idx="329">
-                  <c:v>59151.0</c:v>
+                  <c:v>59151</c:v>
                 </c:pt>
                 <c:pt idx="330">
-                  <c:v>63368.0</c:v>
+                  <c:v>63368</c:v>
                 </c:pt>
                 <c:pt idx="331">
-                  <c:v>68908.0</c:v>
+                  <c:v>68908</c:v>
                 </c:pt>
                 <c:pt idx="332">
-                  <c:v>56667.0</c:v>
+                  <c:v>56667</c:v>
                 </c:pt>
               </c:numCache>
             </c:numRef>
@@ -1287,10 +1287,10 @@
                   <c:v>233.33</c:v>
                 </c:pt>
                 <c:pt idx="5">
-                  <c:v>66.15000000000001</c:v>
+                  <c:v>66.150000000000006</c:v>
                 </c:pt>
                 <c:pt idx="6">
-                  <c:v>74.16999999999998</c:v>
+                  <c:v>74.169999999999973</c:v>
                 </c:pt>
                 <c:pt idx="7">
                   <c:v>172.17</c:v>
@@ -1311,13 +1311,13 @@
                   <c:v>347.95</c:v>
                 </c:pt>
                 <c:pt idx="13">
-                  <c:v>0.0</c:v>
+                  <c:v>0</c:v>
                 </c:pt>
                 <c:pt idx="14">
                   <c:v>771.98</c:v>
                 </c:pt>
                 <c:pt idx="15">
-                  <c:v>301.65</c:v>
+                  <c:v>301.64999999999998</c:v>
                 </c:pt>
                 <c:pt idx="16">
                   <c:v>112.52</c:v>
@@ -1344,10 +1344,10 @@
                   <c:v>168.45</c:v>
                 </c:pt>
                 <c:pt idx="24">
-                  <c:v>274.4</c:v>
+                  <c:v>274.39999999999998</c:v>
                 </c:pt>
                 <c:pt idx="25">
-                  <c:v>0.0</c:v>
+                  <c:v>0</c:v>
                 </c:pt>
                 <c:pt idx="26">
                   <c:v>248.05</c:v>
@@ -1374,7 +1374,7 @@
                   <c:v>359.37</c:v>
                 </c:pt>
                 <c:pt idx="34">
-                  <c:v>283.47</c:v>
+                  <c:v>283.47000000000003</c:v>
                 </c:pt>
                 <c:pt idx="35">
                   <c:v>103.47</c:v>
@@ -1389,7 +1389,7 @@
                   <c:v>483.97</c:v>
                 </c:pt>
                 <c:pt idx="39">
-                  <c:v>0.0</c:v>
+                  <c:v>0</c:v>
                 </c:pt>
                 <c:pt idx="40">
                   <c:v>537.9</c:v>
@@ -1404,7 +1404,7 @@
                   <c:v>284.37</c:v>
                 </c:pt>
                 <c:pt idx="44">
-                  <c:v>162.3</c:v>
+                  <c:v>162.30000000000001</c:v>
                 </c:pt>
                 <c:pt idx="45">
                   <c:v>89.53</c:v>
@@ -1422,7 +1422,7 @@
                   <c:v>39.9</c:v>
                 </c:pt>
                 <c:pt idx="50">
-                  <c:v>39.52</c:v>
+                  <c:v>39.520000000000003</c:v>
                 </c:pt>
                 <c:pt idx="51">
                   <c:v>35.5</c:v>
@@ -1431,7 +1431,7 @@
                   <c:v>45.18</c:v>
                 </c:pt>
                 <c:pt idx="53">
-                  <c:v>19.58</c:v>
+                  <c:v>19.579999999999998</c:v>
                 </c:pt>
                 <c:pt idx="54">
                   <c:v>20.45</c:v>
@@ -1446,13 +1446,13 @@
                   <c:v>16.63</c:v>
                 </c:pt>
                 <c:pt idx="58">
-                  <c:v>33.62</c:v>
+                  <c:v>33.619999999999997</c:v>
                 </c:pt>
                 <c:pt idx="59">
                   <c:v>22.8</c:v>
                 </c:pt>
                 <c:pt idx="60">
-                  <c:v>32.2</c:v>
+                  <c:v>32.200000000000003</c:v>
                 </c:pt>
                 <c:pt idx="61">
                   <c:v>24.08</c:v>
@@ -1470,7 +1470,7 @@
                   <c:v>14.53</c:v>
                 </c:pt>
                 <c:pt idx="66">
-                  <c:v>33.88</c:v>
+                  <c:v>33.880000000000003</c:v>
                 </c:pt>
                 <c:pt idx="67">
                   <c:v>21.45</c:v>
@@ -1533,7 +1533,7 @@
                   <c:v>44.2</c:v>
                 </c:pt>
                 <c:pt idx="87">
-                  <c:v>40.88</c:v>
+                  <c:v>40.880000000000003</c:v>
                 </c:pt>
                 <c:pt idx="88">
                   <c:v>43.23</c:v>
@@ -1545,7 +1545,7 @@
                   <c:v>86.8</c:v>
                 </c:pt>
                 <c:pt idx="91">
-                  <c:v>0.0</c:v>
+                  <c:v>0</c:v>
                 </c:pt>
                 <c:pt idx="92">
                   <c:v>122.32</c:v>
@@ -1554,25 +1554,25 @@
                   <c:v>110.53</c:v>
                 </c:pt>
                 <c:pt idx="94">
-                  <c:v>0.0</c:v>
+                  <c:v>0</c:v>
                 </c:pt>
                 <c:pt idx="95">
-                  <c:v>140.92</c:v>
+                  <c:v>140.91999999999999</c:v>
                 </c:pt>
                 <c:pt idx="96">
                   <c:v>9.48</c:v>
                 </c:pt>
                 <c:pt idx="97">
-                  <c:v>66.32</c:v>
+                  <c:v>66.319999999999993</c:v>
                 </c:pt>
                 <c:pt idx="98">
-                  <c:v>70.85</c:v>
+                  <c:v>70.849999999999994</c:v>
                 </c:pt>
                 <c:pt idx="99">
                   <c:v>85.43</c:v>
                 </c:pt>
                 <c:pt idx="100">
-                  <c:v>159.92</c:v>
+                  <c:v>159.91999999999999</c:v>
                 </c:pt>
                 <c:pt idx="101">
                   <c:v>331.55</c:v>
@@ -1584,7 +1584,7 @@
                   <c:v>256.18</c:v>
                 </c:pt>
                 <c:pt idx="104">
-                  <c:v>263.1</c:v>
+                  <c:v>263.10000000000002</c:v>
                 </c:pt>
                 <c:pt idx="105">
                   <c:v>111.33</c:v>
@@ -1593,7 +1593,7 @@
                   <c:v>159.87</c:v>
                 </c:pt>
                 <c:pt idx="107">
-                  <c:v>22.0</c:v>
+                  <c:v>22</c:v>
                 </c:pt>
                 <c:pt idx="108">
                   <c:v>33.78</c:v>
@@ -1623,7 +1623,7 @@
                   <c:v>32.5</c:v>
                 </c:pt>
                 <c:pt idx="117">
-                  <c:v>32.63</c:v>
+                  <c:v>32.630000000000003</c:v>
                 </c:pt>
                 <c:pt idx="118">
                   <c:v>31.32</c:v>
@@ -1656,7 +1656,7 @@
                   <c:v>24.52</c:v>
                 </c:pt>
                 <c:pt idx="128">
-                  <c:v>39.77</c:v>
+                  <c:v>39.770000000000003</c:v>
                 </c:pt>
                 <c:pt idx="129">
                   <c:v>29.67</c:v>
@@ -1704,7 +1704,7 @@
                   <c:v>50.57</c:v>
                 </c:pt>
                 <c:pt idx="144">
-                  <c:v>37.77</c:v>
+                  <c:v>37.770000000000003</c:v>
                 </c:pt>
                 <c:pt idx="145">
                   <c:v>49.2</c:v>
@@ -1722,13 +1722,13 @@
                   <c:v>222.95</c:v>
                 </c:pt>
                 <c:pt idx="150">
-                  <c:v>150.8</c:v>
+                  <c:v>150.80000000000001</c:v>
                 </c:pt>
                 <c:pt idx="151">
                   <c:v>166.88</c:v>
                 </c:pt>
                 <c:pt idx="152">
-                  <c:v>129.42</c:v>
+                  <c:v>129.41999999999999</c:v>
                 </c:pt>
                 <c:pt idx="153">
                   <c:v>243.08</c:v>
@@ -1755,13 +1755,13 @@
                   <c:v>18.45</c:v>
                 </c:pt>
                 <c:pt idx="161">
-                  <c:v>0.0</c:v>
+                  <c:v>0</c:v>
                 </c:pt>
                 <c:pt idx="162">
-                  <c:v>0.0</c:v>
+                  <c:v>0</c:v>
                 </c:pt>
                 <c:pt idx="163">
-                  <c:v>21.0</c:v>
+                  <c:v>21</c:v>
                 </c:pt>
                 <c:pt idx="164">
                   <c:v>10.65</c:v>
@@ -1782,7 +1782,7 @@
                   <c:v>22.53</c:v>
                 </c:pt>
                 <c:pt idx="170">
-                  <c:v>0.0</c:v>
+                  <c:v>0</c:v>
                 </c:pt>
                 <c:pt idx="171">
                   <c:v>18.93</c:v>
@@ -1800,22 +1800,22 @@
                   <c:v>11.68</c:v>
                 </c:pt>
                 <c:pt idx="176">
-                  <c:v>7.0</c:v>
+                  <c:v>7</c:v>
                 </c:pt>
                 <c:pt idx="177">
-                  <c:v>1161.65</c:v>
+                  <c:v>1161.6500000000001</c:v>
                 </c:pt>
                 <c:pt idx="178">
                   <c:v>1158.77</c:v>
                 </c:pt>
                 <c:pt idx="179">
-                  <c:v>1085.59</c:v>
+                  <c:v>1085.5899999999999</c:v>
                 </c:pt>
                 <c:pt idx="180">
                   <c:v>1220.95</c:v>
                 </c:pt>
                 <c:pt idx="181">
-                  <c:v>0.0</c:v>
+                  <c:v>0</c:v>
                 </c:pt>
                 <c:pt idx="182">
                   <c:v>96.27</c:v>
@@ -1824,7 +1824,7 @@
                   <c:v>209.13</c:v>
                 </c:pt>
                 <c:pt idx="184">
-                  <c:v>162.42</c:v>
+                  <c:v>162.41999999999999</c:v>
                 </c:pt>
                 <c:pt idx="185">
                   <c:v>537.52</c:v>
@@ -1836,7 +1836,7 @@
                   <c:v>392.07</c:v>
                 </c:pt>
                 <c:pt idx="188">
-                  <c:v>362.0</c:v>
+                  <c:v>362</c:v>
                 </c:pt>
                 <c:pt idx="189">
                   <c:v>63.65</c:v>
@@ -1854,7 +1854,7 @@
                   <c:v>53.33</c:v>
                 </c:pt>
                 <c:pt idx="194">
-                  <c:v>52.0</c:v>
+                  <c:v>52</c:v>
                 </c:pt>
                 <c:pt idx="195">
                   <c:v>32.97</c:v>
@@ -1872,10 +1872,10 @@
                   <c:v>20.68</c:v>
                 </c:pt>
                 <c:pt idx="200">
-                  <c:v>0.0</c:v>
+                  <c:v>0</c:v>
                 </c:pt>
                 <c:pt idx="201">
-                  <c:v>8.95</c:v>
+                  <c:v>8.9499999999999993</c:v>
                 </c:pt>
                 <c:pt idx="202">
                   <c:v>32.32</c:v>
@@ -1902,10 +1902,10 @@
                   <c:v>676.1</c:v>
                 </c:pt>
                 <c:pt idx="210">
-                  <c:v>651.9299999999994</c:v>
+                  <c:v>651.92999999999938</c:v>
                 </c:pt>
                 <c:pt idx="211">
-                  <c:v>0.0</c:v>
+                  <c:v>0</c:v>
                 </c:pt>
                 <c:pt idx="212">
                   <c:v>53.78</c:v>
@@ -1929,7 +1929,7 @@
                   <c:v>36.68</c:v>
                 </c:pt>
                 <c:pt idx="219">
-                  <c:v>35.37</c:v>
+                  <c:v>35.369999999999997</c:v>
                 </c:pt>
                 <c:pt idx="220">
                   <c:v>922.8</c:v>
@@ -1965,7 +1965,7 @@
                   <c:v>98.6</c:v>
                 </c:pt>
                 <c:pt idx="231">
-                  <c:v>0.0</c:v>
+                  <c:v>0</c:v>
                 </c:pt>
                 <c:pt idx="232">
                   <c:v>908.47</c:v>
@@ -1986,7 +1986,7 @@
                   <c:v>186.47</c:v>
                 </c:pt>
                 <c:pt idx="238">
-                  <c:v>0.0</c:v>
+                  <c:v>0</c:v>
                 </c:pt>
                 <c:pt idx="239">
                   <c:v>44.9</c:v>
@@ -1995,7 +1995,7 @@
                   <c:v>14.93</c:v>
                 </c:pt>
                 <c:pt idx="241">
-                  <c:v>19.1</c:v>
+                  <c:v>19.100000000000001</c:v>
                 </c:pt>
                 <c:pt idx="242">
                   <c:v>12.63</c:v>
@@ -2004,7 +2004,7 @@
                   <c:v>14.13</c:v>
                 </c:pt>
                 <c:pt idx="244">
-                  <c:v>8.2</c:v>
+                  <c:v>8.1999999999999993</c:v>
                 </c:pt>
                 <c:pt idx="245">
                   <c:v>48.88</c:v>
@@ -2016,7 +2016,7 @@
                   <c:v>28.63</c:v>
                 </c:pt>
                 <c:pt idx="248">
-                  <c:v>33.95</c:v>
+                  <c:v>33.950000000000003</c:v>
                 </c:pt>
                 <c:pt idx="249">
                   <c:v>30.52</c:v>
@@ -2046,10 +2046,10 @@
                   <c:v>64.22</c:v>
                 </c:pt>
                 <c:pt idx="258">
-                  <c:v>694.4299999999994</c:v>
+                  <c:v>694.42999999999938</c:v>
                 </c:pt>
                 <c:pt idx="259">
-                  <c:v>156.8</c:v>
+                  <c:v>156.80000000000001</c:v>
                 </c:pt>
                 <c:pt idx="260">
                   <c:v>136.4</c:v>
@@ -2070,7 +2070,7 @@
                   <c:v>70.08</c:v>
                 </c:pt>
                 <c:pt idx="266">
-                  <c:v>149.02</c:v>
+                  <c:v>149.02000000000001</c:v>
                 </c:pt>
                 <c:pt idx="267">
                   <c:v>115.1</c:v>
@@ -2085,10 +2085,10 @@
                   <c:v>17.88</c:v>
                 </c:pt>
                 <c:pt idx="271">
-                  <c:v>2.28</c:v>
+                  <c:v>2.2799999999999998</c:v>
                 </c:pt>
                 <c:pt idx="272">
-                  <c:v>19.08</c:v>
+                  <c:v>19.079999999999998</c:v>
                 </c:pt>
                 <c:pt idx="273">
                   <c:v>41.98</c:v>
@@ -2106,7 +2106,7 @@
                   <c:v>29.07</c:v>
                 </c:pt>
                 <c:pt idx="278">
-                  <c:v>38.73</c:v>
+                  <c:v>38.729999999999997</c:v>
                 </c:pt>
                 <c:pt idx="279">
                   <c:v>14.57</c:v>
@@ -2115,7 +2115,7 @@
                   <c:v>24.38</c:v>
                 </c:pt>
                 <c:pt idx="281">
-                  <c:v>33.13</c:v>
+                  <c:v>33.130000000000003</c:v>
                 </c:pt>
                 <c:pt idx="282">
                   <c:v>33.15</c:v>
@@ -2124,10 +2124,10 @@
                   <c:v>49.82</c:v>
                 </c:pt>
                 <c:pt idx="284">
-                  <c:v>16.42</c:v>
+                  <c:v>16.420000000000002</c:v>
                 </c:pt>
                 <c:pt idx="285">
-                  <c:v>0.0</c:v>
+                  <c:v>0</c:v>
                 </c:pt>
                 <c:pt idx="286">
                   <c:v>31.8</c:v>
@@ -2145,28 +2145,28 @@
                   <c:v>274.8</c:v>
                 </c:pt>
                 <c:pt idx="291">
-                  <c:v>81.68000000000001</c:v>
+                  <c:v>81.680000000000007</c:v>
                 </c:pt>
                 <c:pt idx="292">
                   <c:v>2699.56</c:v>
                 </c:pt>
                 <c:pt idx="293">
-                  <c:v>2257.82</c:v>
+                  <c:v>2257.8200000000002</c:v>
                 </c:pt>
                 <c:pt idx="294">
-                  <c:v>0.0</c:v>
+                  <c:v>0</c:v>
                 </c:pt>
                 <c:pt idx="295">
-                  <c:v>0.0</c:v>
+                  <c:v>0</c:v>
                 </c:pt>
                 <c:pt idx="296">
                   <c:v>447.55</c:v>
                 </c:pt>
                 <c:pt idx="297">
-                  <c:v>894.8199999999994</c:v>
+                  <c:v>894.81999999999937</c:v>
                 </c:pt>
                 <c:pt idx="298">
-                  <c:v>7.319999999999998</c:v>
+                  <c:v>7.3199999999999976</c:v>
                 </c:pt>
                 <c:pt idx="299">
                   <c:v>269.08</c:v>
@@ -2175,10 +2175,10 @@
                   <c:v>27.05</c:v>
                 </c:pt>
                 <c:pt idx="301">
-                  <c:v>0.0</c:v>
+                  <c:v>0</c:v>
                 </c:pt>
                 <c:pt idx="302">
-                  <c:v>0.0</c:v>
+                  <c:v>0</c:v>
                 </c:pt>
                 <c:pt idx="303">
                   <c:v>6.73</c:v>
@@ -2190,7 +2190,7 @@
                   <c:v>35.18</c:v>
                 </c:pt>
                 <c:pt idx="306">
-                  <c:v>145.95</c:v>
+                  <c:v>145.94999999999999</c:v>
                 </c:pt>
                 <c:pt idx="307">
                   <c:v>147.35</c:v>
@@ -2205,7 +2205,7 @@
                   <c:v>111.47</c:v>
                 </c:pt>
                 <c:pt idx="311">
-                  <c:v>0.0</c:v>
+                  <c:v>0</c:v>
                 </c:pt>
                 <c:pt idx="312">
                   <c:v>185.43</c:v>
@@ -2214,13 +2214,13 @@
                   <c:v>193.62</c:v>
                 </c:pt>
                 <c:pt idx="314">
-                  <c:v>317.85</c:v>
+                  <c:v>317.85000000000002</c:v>
                 </c:pt>
                 <c:pt idx="315">
-                  <c:v>0.0</c:v>
+                  <c:v>0</c:v>
                 </c:pt>
                 <c:pt idx="316">
-                  <c:v>0.0</c:v>
+                  <c:v>0</c:v>
                 </c:pt>
                 <c:pt idx="317">
                   <c:v>81.33</c:v>
@@ -2232,10 +2232,10 @@
                   <c:v>1009.22</c:v>
                 </c:pt>
                 <c:pt idx="320">
-                  <c:v>0.0</c:v>
+                  <c:v>0</c:v>
                 </c:pt>
                 <c:pt idx="321">
-                  <c:v>0.0</c:v>
+                  <c:v>0</c:v>
                 </c:pt>
                 <c:pt idx="322">
                   <c:v>1766.27</c:v>
@@ -2268,13 +2268,13 @@
                   <c:v>14.57</c:v>
                 </c:pt>
                 <c:pt idx="332">
-                  <c:v>0.0</c:v>
+                  <c:v>0</c:v>
                 </c:pt>
               </c:numCache>
             </c:numRef>
           </c:yVal>
           <c:smooth val="0"/>
-          <c:extLst xmlns:c16r2="http://schemas.microsoft.com/office/drawing/2015/06/chart">
+          <c:extLst>
             <c:ext xmlns:c16="http://schemas.microsoft.com/office/drawing/2014/chart" uri="{C3380CC4-5D6E-409C-BE32-E72D297353CC}">
               <c16:uniqueId val="{00000004-A4F7-408F-884F-571F30014AF3}"/>
             </c:ext>
@@ -2295,8 +2295,8 @@
         <c:axId val="-525661808"/>
         <c:scaling>
           <c:orientation val="minMax"/>
-          <c:max val="120000.0"/>
-          <c:min val="30000.0"/>
+          <c:max val="120000"/>
+          <c:min val="30000"/>
         </c:scaling>
         <c:delete val="0"/>
         <c:axPos val="b"/>
@@ -2324,15 +2324,15 @@
         <c:crossAx val="-526207552"/>
         <c:crosses val="autoZero"/>
         <c:crossBetween val="midCat"/>
-        <c:majorUnit val="30000.0"/>
+        <c:majorUnit val="30000"/>
       </c:valAx>
       <c:valAx>
         <c:axId val="-526207552"/>
         <c:scaling>
-          <c:logBase val="10.0"/>
+          <c:logBase val="10"/>
           <c:orientation val="minMax"/>
-          <c:max val="1000.0"/>
-          <c:min val="1.0"/>
+          <c:max val="1000"/>
+          <c:min val="1"/>
         </c:scaling>
         <c:delete val="0"/>
         <c:axPos val="l"/>
@@ -2474,7 +2474,7 @@
           <a:p>
             <a:fld id="{D7E0CA96-44A9-D54D-8445-E821DF1BE579}" type="datetimeFigureOut">
               <a:rPr lang="en-US" smtClean="0"/>
-              <a:t>1/11/18</a:t>
+              <a:t>6/25/18</a:t>
             </a:fld>
             <a:endParaRPr lang="en-US"/>
           </a:p>
@@ -2538,38 +2538,37 @@
           <a:p>
             <a:pPr lvl="0"/>
             <a:r>
-              <a:rPr lang="en-US" smtClean="0"/>
+              <a:rPr lang="en-US"/>
               <a:t>Click to edit Master text styles</a:t>
             </a:r>
           </a:p>
           <a:p>
             <a:pPr lvl="1"/>
             <a:r>
-              <a:rPr lang="en-US" smtClean="0"/>
+              <a:rPr lang="en-US"/>
               <a:t>Second level</a:t>
             </a:r>
           </a:p>
           <a:p>
             <a:pPr lvl="2"/>
             <a:r>
-              <a:rPr lang="en-US" smtClean="0"/>
+              <a:rPr lang="en-US"/>
               <a:t>Third level</a:t>
             </a:r>
           </a:p>
           <a:p>
             <a:pPr lvl="3"/>
             <a:r>
-              <a:rPr lang="en-US" smtClean="0"/>
+              <a:rPr lang="en-US"/>
               <a:t>Fourth level</a:t>
             </a:r>
           </a:p>
           <a:p>
             <a:pPr lvl="4"/>
             <a:r>
-              <a:rPr lang="en-US" smtClean="0"/>
+              <a:rPr lang="en-US"/>
               <a:t>Fifth level</a:t>
             </a:r>
-            <a:endParaRPr lang="en-US"/>
           </a:p>
         </p:txBody>
       </p:sp>
@@ -2784,7 +2783,7 @@
           </a:lstStyle>
           <a:p>
             <a:r>
-              <a:rPr lang="en-US" smtClean="0"/>
+              <a:rPr lang="en-US"/>
               <a:t>Click to edit Master title style</a:t>
             </a:r>
             <a:endParaRPr lang="en-AU" dirty="0"/>
@@ -2816,7 +2815,7 @@
           </a:lstStyle>
           <a:p>
             <a:r>
-              <a:rPr lang="en-US" smtClean="0"/>
+              <a:rPr lang="en-US"/>
               <a:t>Click to edit Master subtitle style</a:t>
             </a:r>
             <a:endParaRPr lang="en-AU" dirty="0"/>
@@ -3013,7 +3012,7 @@
           <a:lstStyle/>
           <a:p>
             <a:r>
-              <a:rPr lang="en-US" smtClean="0"/>
+              <a:rPr lang="en-US"/>
               <a:t>Click to edit Master title style</a:t>
             </a:r>
             <a:endParaRPr lang="en-AU"/>
@@ -3042,35 +3041,35 @@
           <a:p>
             <a:pPr lvl="0"/>
             <a:r>
-              <a:rPr lang="en-US" smtClean="0"/>
+              <a:rPr lang="en-US"/>
               <a:t>Click to edit Master text styles</a:t>
             </a:r>
           </a:p>
           <a:p>
             <a:pPr lvl="1"/>
             <a:r>
-              <a:rPr lang="en-US" smtClean="0"/>
+              <a:rPr lang="en-US"/>
               <a:t>Second level</a:t>
             </a:r>
           </a:p>
           <a:p>
             <a:pPr lvl="2"/>
             <a:r>
-              <a:rPr lang="en-US" smtClean="0"/>
+              <a:rPr lang="en-US"/>
               <a:t>Third level</a:t>
             </a:r>
           </a:p>
           <a:p>
             <a:pPr lvl="3"/>
             <a:r>
-              <a:rPr lang="en-US" smtClean="0"/>
+              <a:rPr lang="en-US"/>
               <a:t>Fourth level</a:t>
             </a:r>
           </a:p>
           <a:p>
             <a:pPr lvl="4"/>
             <a:r>
-              <a:rPr lang="en-US" smtClean="0"/>
+              <a:rPr lang="en-US"/>
               <a:t>Fifth level</a:t>
             </a:r>
             <a:endParaRPr lang="en-AU" dirty="0"/>
@@ -3150,7 +3149,7 @@
           <a:lstStyle/>
           <a:p>
             <a:r>
-              <a:rPr lang="en-US" smtClean="0"/>
+              <a:rPr lang="en-US"/>
               <a:t>Click icon to add chart</a:t>
             </a:r>
             <a:endParaRPr lang="en-AU"/>
@@ -3224,7 +3223,7 @@
           <a:lstStyle/>
           <a:p>
             <a:r>
-              <a:rPr lang="en-US" smtClean="0"/>
+              <a:rPr lang="en-US"/>
               <a:t>Click to edit Master title style</a:t>
             </a:r>
             <a:endParaRPr lang="en-AU"/>
@@ -3253,35 +3252,35 @@
           <a:p>
             <a:pPr lvl="0"/>
             <a:r>
-              <a:rPr lang="en-US" smtClean="0"/>
+              <a:rPr lang="en-US"/>
               <a:t>Click to edit Master text styles</a:t>
             </a:r>
           </a:p>
           <a:p>
             <a:pPr lvl="1"/>
             <a:r>
-              <a:rPr lang="en-US" smtClean="0"/>
+              <a:rPr lang="en-US"/>
               <a:t>Second level</a:t>
             </a:r>
           </a:p>
           <a:p>
             <a:pPr lvl="2"/>
             <a:r>
-              <a:rPr lang="en-US" smtClean="0"/>
+              <a:rPr lang="en-US"/>
               <a:t>Third level</a:t>
             </a:r>
           </a:p>
           <a:p>
             <a:pPr lvl="3"/>
             <a:r>
-              <a:rPr lang="en-US" smtClean="0"/>
+              <a:rPr lang="en-US"/>
               <a:t>Fourth level</a:t>
             </a:r>
           </a:p>
           <a:p>
             <a:pPr lvl="4"/>
             <a:r>
-              <a:rPr lang="en-US" smtClean="0"/>
+              <a:rPr lang="en-US"/>
               <a:t>Fifth level</a:t>
             </a:r>
             <a:endParaRPr lang="en-AU" dirty="0"/>
@@ -3470,35 +3469,35 @@
           <a:p>
             <a:pPr lvl="0"/>
             <a:r>
-              <a:rPr lang="en-US" smtClean="0"/>
+              <a:rPr lang="en-US"/>
               <a:t>Click to edit Master text styles</a:t>
             </a:r>
           </a:p>
           <a:p>
             <a:pPr lvl="1"/>
             <a:r>
-              <a:rPr lang="en-US" smtClean="0"/>
+              <a:rPr lang="en-US"/>
               <a:t>Second level</a:t>
             </a:r>
           </a:p>
           <a:p>
             <a:pPr lvl="2"/>
             <a:r>
-              <a:rPr lang="en-US" smtClean="0"/>
+              <a:rPr lang="en-US"/>
               <a:t>Third level</a:t>
             </a:r>
           </a:p>
           <a:p>
             <a:pPr lvl="3"/>
             <a:r>
-              <a:rPr lang="en-US" smtClean="0"/>
+              <a:rPr lang="en-US"/>
               <a:t>Fourth level</a:t>
             </a:r>
           </a:p>
           <a:p>
             <a:pPr lvl="4"/>
             <a:r>
-              <a:rPr lang="en-US" smtClean="0"/>
+              <a:rPr lang="en-US"/>
               <a:t>Fifth level</a:t>
             </a:r>
             <a:endParaRPr lang="en-AU" dirty="0"/>
@@ -3575,7 +3574,7 @@
           <a:p>
             <a:pPr lvl="0"/>
             <a:r>
-              <a:rPr lang="en-US" smtClean="0"/>
+              <a:rPr lang="en-US"/>
               <a:t>Click to edit Master title style</a:t>
             </a:r>
             <a:endParaRPr lang="en-US" dirty="0"/>
@@ -4187,10 +4186,9 @@
           <a:lstStyle/>
           <a:p>
             <a:r>
-              <a:rPr lang="en-US" dirty="0" smtClean="0"/>
-              <a:t>Does living far away from the capital city reduce per worker income?</a:t>
-            </a:r>
-            <a:endParaRPr lang="en-US" dirty="0"/>
+              <a:rPr lang="en-US" dirty="0"/>
+              <a:t>Does living far away from the capital city reduce per-worker income?</a:t>
+            </a:r>
           </a:p>
         </p:txBody>
       </p:sp>
@@ -4210,10 +4208,9 @@
           <a:lstStyle/>
           <a:p>
             <a:r>
-              <a:rPr lang="en-US" dirty="0" smtClean="0"/>
+              <a:rPr lang="en-US" dirty="0"/>
               <a:t>Let’s find out</a:t>
             </a:r>
-            <a:endParaRPr lang="en-US" dirty="0"/>
           </a:p>
         </p:txBody>
       </p:sp>
@@ -4268,11 +4265,11 @@
           <a:lstStyle/>
           <a:p>
             <a:r>
-              <a:rPr lang="en-US" dirty="0" smtClean="0"/>
+              <a:rPr lang="en-US" dirty="0"/>
               <a:t>2e. Check data </a:t>
             </a:r>
             <a:r>
-              <a:rPr lang="en-US" i="1" dirty="0" smtClean="0"/>
+              <a:rPr lang="en-US" i="1" dirty="0"/>
               <a:t>again</a:t>
             </a:r>
             <a:endParaRPr lang="en-US" dirty="0"/>
@@ -4300,10 +4297,9 @@
           <a:lstStyle/>
           <a:p>
             <a:r>
-              <a:rPr lang="en-US" dirty="0" smtClean="0"/>
+              <a:rPr lang="en-US" dirty="0"/>
               <a:t>Routinely check your dataset</a:t>
             </a:r>
-            <a:endParaRPr lang="en-US" dirty="0"/>
           </a:p>
         </p:txBody>
       </p:sp>
@@ -4358,10 +4354,9 @@
           <a:lstStyle/>
           <a:p>
             <a:r>
-              <a:rPr lang="en-US" dirty="0" smtClean="0"/>
+              <a:rPr lang="en-US" dirty="0"/>
               <a:t>3. Analyse your data</a:t>
             </a:r>
-            <a:endParaRPr lang="en-US" dirty="0"/>
           </a:p>
         </p:txBody>
       </p:sp>
@@ -4378,7 +4373,7 @@
         <p:spPr>
           <a:xfrm>
             <a:off x="647700" y="1268760"/>
-            <a:ext cx="7980363" cy="991041"/>
+            <a:ext cx="7980363" cy="2340064"/>
           </a:xfrm>
         </p:spPr>
         <p:txBody>
@@ -4386,7 +4381,7 @@
           <a:lstStyle/>
           <a:p>
             <a:r>
-              <a:rPr lang="en-US" dirty="0" smtClean="0"/>
+              <a:rPr lang="en-US" dirty="0"/>
               <a:t>Simple or complex</a:t>
             </a:r>
           </a:p>
@@ -4395,8 +4390,32 @@
           </a:p>
           <a:p>
             <a:r>
-              <a:rPr lang="en-US" dirty="0" smtClean="0"/>
-              <a:t>Defensible, reasoned, annotated, documented, etc.</a:t>
+              <a:rPr lang="en-US" dirty="0"/>
+              <a:t>Defensible</a:t>
+            </a:r>
+          </a:p>
+          <a:p>
+            <a:r>
+              <a:rPr lang="en-US" dirty="0"/>
+              <a:t>Reasoned</a:t>
+            </a:r>
+          </a:p>
+          <a:p>
+            <a:r>
+              <a:rPr lang="en-US" dirty="0"/>
+              <a:t>Annotated</a:t>
+            </a:r>
+          </a:p>
+          <a:p>
+            <a:r>
+              <a:rPr lang="en-US" dirty="0"/>
+              <a:t>Documented</a:t>
+            </a:r>
+          </a:p>
+          <a:p>
+            <a:r>
+              <a:rPr lang="en-US" dirty="0"/>
+              <a:t>etc.</a:t>
             </a:r>
           </a:p>
         </p:txBody>
@@ -4453,13 +4472,8 @@
           <a:p>
             <a:r>
               <a:rPr lang="en-US" dirty="0"/>
-              <a:t>4</a:t>
-            </a:r>
-            <a:r>
-              <a:rPr lang="en-US" dirty="0" smtClean="0"/>
-              <a:t>. Present your analysis</a:t>
-            </a:r>
-            <a:endParaRPr lang="en-US" dirty="0"/>
+              <a:t>4. Present your analysis</a:t>
+            </a:r>
           </a:p>
         </p:txBody>
       </p:sp>
@@ -4484,7 +4498,7 @@
           <a:lstStyle/>
           <a:p>
             <a:r>
-              <a:rPr lang="en-US" dirty="0" smtClean="0"/>
+              <a:rPr lang="en-US" dirty="0"/>
               <a:t>“Make the complex simple, and the simple engaging”</a:t>
             </a:r>
           </a:p>
@@ -4493,11 +4507,11 @@
           </a:p>
           <a:p>
             <a:r>
-              <a:rPr lang="en-US" dirty="0" smtClean="0"/>
+              <a:rPr lang="en-US" dirty="0"/>
               <a:t>Best to do this </a:t>
             </a:r>
             <a:r>
-              <a:rPr lang="en-US" b="1" dirty="0" smtClean="0">
+              <a:rPr lang="en-US" b="1" dirty="0">
                 <a:solidFill>
                   <a:schemeClr val="accent2"/>
                 </a:solidFill>
@@ -4505,32 +4519,27 @@
               <a:t>visually or verbally </a:t>
             </a:r>
             <a:r>
-              <a:rPr lang="en-US" dirty="0" smtClean="0"/>
+              <a:rPr lang="en-US" dirty="0"/>
               <a:t>(depending on the audience)</a:t>
             </a:r>
           </a:p>
           <a:p>
             <a:r>
               <a:rPr lang="en-US" dirty="0"/>
-              <a:t>	</a:t>
-            </a:r>
-            <a:r>
-              <a:rPr lang="en-US" dirty="0" smtClean="0"/>
-              <a:t>ie not in a large table of regression results</a:t>
-            </a:r>
-          </a:p>
-          <a:p>
-            <a:endParaRPr lang="en-US" dirty="0" smtClean="0"/>
-          </a:p>
-          <a:p>
-            <a:r>
-              <a:rPr lang="en-US" dirty="0" smtClean="0"/>
+              <a:t>	ie not in a large table of regression results</a:t>
+            </a:r>
+          </a:p>
+          <a:p>
+            <a:endParaRPr lang="en-US" dirty="0"/>
+          </a:p>
+          <a:p>
+            <a:r>
+              <a:rPr lang="en-US" dirty="0"/>
               <a:t>Make your charts clear and engaging.</a:t>
             </a:r>
+          </a:p>
+          <a:p>
             <a:endParaRPr lang="en-US" dirty="0"/>
-          </a:p>
-          <a:p>
-            <a:endParaRPr lang="en-US" dirty="0" smtClean="0"/>
           </a:p>
         </p:txBody>
       </p:sp>
@@ -4608,10 +4617,9 @@
           <a:lstStyle/>
           <a:p>
             <a:r>
-              <a:rPr lang="en-US" dirty="0" smtClean="0"/>
+              <a:rPr lang="en-US" dirty="0"/>
               <a:t>Extra resources</a:t>
             </a:r>
-            <a:endParaRPr lang="en-US" dirty="0"/>
           </a:p>
         </p:txBody>
       </p:sp>
@@ -4638,7 +4646,7 @@
             <a:endParaRPr lang="en-US" dirty="0"/>
           </a:p>
           <a:p>
-            <a:endParaRPr lang="en-US" dirty="0" smtClean="0"/>
+            <a:endParaRPr lang="en-US" dirty="0"/>
           </a:p>
         </p:txBody>
       </p:sp>
@@ -4653,7 +4661,7 @@
         <p:spPr bwMode="auto">
           <a:xfrm>
             <a:off x="647700" y="1268760"/>
-            <a:ext cx="7980363" cy="1677382"/>
+            <a:ext cx="7980363" cy="2340064"/>
           </a:xfrm>
           <a:prstGeom prst="rect">
             <a:avLst/>
@@ -4843,12 +4851,21 @@
             </a:lvl9pPr>
           </a:lstStyle>
           <a:p>
+            <a:r>
+              <a:rPr lang="en-US" kern="0" dirty="0"/>
+              <a:t>Attached to this class’ documentation are:</a:t>
+            </a:r>
+          </a:p>
+          <a:p>
+            <a:endParaRPr lang="en-US" kern="0" dirty="0"/>
+          </a:p>
+          <a:p>
             <a:pPr marL="342900" indent="-342900">
               <a:buFont typeface="+mj-lt"/>
               <a:buAutoNum type="arabicPeriod"/>
             </a:pPr>
             <a:r>
-              <a:rPr lang="en-US" kern="0" dirty="0" smtClean="0"/>
+              <a:rPr lang="en-US" kern="0" dirty="0"/>
               <a:t>Grattan chart templates (includes examples)</a:t>
             </a:r>
           </a:p>
@@ -4858,7 +4875,7 @@
               <a:buAutoNum type="arabicPeriod"/>
             </a:pPr>
             <a:r>
-              <a:rPr lang="en-US" kern="0" dirty="0" smtClean="0"/>
+              <a:rPr lang="en-US" kern="0" dirty="0"/>
               <a:t>Chart guidebook</a:t>
             </a:r>
           </a:p>
@@ -4868,7 +4885,7 @@
               <a:buAutoNum type="arabicPeriod"/>
             </a:pPr>
             <a:r>
-              <a:rPr lang="en-US" kern="0" dirty="0" smtClean="0"/>
+              <a:rPr lang="en-US" kern="0" dirty="0"/>
               <a:t>CPI calculator</a:t>
             </a:r>
           </a:p>
@@ -4878,7 +4895,7 @@
               <a:buAutoNum type="arabicPeriod"/>
             </a:pPr>
             <a:r>
-              <a:rPr lang="en-US" kern="0" dirty="0" smtClean="0"/>
+              <a:rPr lang="en-US" kern="0" dirty="0"/>
               <a:t>Writing Style Guide (not at all data-related, but an enjoyable read)</a:t>
             </a:r>
           </a:p>
@@ -4887,7 +4904,7 @@
               <a:buFont typeface="+mj-lt"/>
               <a:buAutoNum type="arabicPeriod"/>
             </a:pPr>
-            <a:endParaRPr lang="en-US" kern="0" dirty="0" smtClean="0"/>
+            <a:endParaRPr lang="en-US" kern="0" dirty="0"/>
           </a:p>
         </p:txBody>
       </p:sp>
@@ -4928,6 +4945,82 @@
             <a:spLocks noGrp="1"/>
           </p:cNvSpPr>
           <p:nvPr>
+            <p:ph type="ctrTitle"/>
+          </p:nvPr>
+        </p:nvSpPr>
+        <p:spPr>
+          <a:xfrm>
+            <a:off x="1845221" y="3391818"/>
+            <a:ext cx="6780334" cy="430887"/>
+          </a:xfrm>
+        </p:spPr>
+        <p:txBody>
+          <a:bodyPr/>
+          <a:lstStyle/>
+          <a:p>
+            <a:r>
+              <a:rPr lang="en-US" dirty="0"/>
+              <a:t>Introduction to Excel concepts</a:t>
+            </a:r>
+          </a:p>
+        </p:txBody>
+      </p:sp>
+      <p:sp>
+        <p:nvSpPr>
+          <p:cNvPr id="3" name="Subtitle 2"/>
+          <p:cNvSpPr>
+            <a:spLocks noGrp="1"/>
+          </p:cNvSpPr>
+          <p:nvPr>
+            <p:ph type="subTitle" idx="1"/>
+          </p:nvPr>
+        </p:nvSpPr>
+        <p:spPr/>
+        <p:txBody>
+          <a:bodyPr/>
+          <a:lstStyle/>
+          <a:p>
+            <a:endParaRPr lang="en-US" dirty="0"/>
+          </a:p>
+        </p:txBody>
+      </p:sp>
+    </p:spTree>
+    <p:extLst>
+      <p:ext uri="{BB962C8B-B14F-4D97-AF65-F5344CB8AC3E}">
+        <p14:creationId xmlns:p14="http://schemas.microsoft.com/office/powerpoint/2010/main" val="989746107"/>
+      </p:ext>
+    </p:extLst>
+  </p:cSld>
+  <p:clrMapOvr>
+    <a:masterClrMapping/>
+  </p:clrMapOvr>
+</p:sld>
+</file>
+
+<file path=ppt/slides/slide15.xml><?xml version="1.0" encoding="utf-8"?>
+<p:sld xmlns:a="http://schemas.openxmlformats.org/drawingml/2006/main" xmlns:r="http://schemas.openxmlformats.org/officeDocument/2006/relationships" xmlns:p="http://schemas.openxmlformats.org/presentationml/2006/main">
+  <p:cSld>
+    <p:spTree>
+      <p:nvGrpSpPr>
+        <p:cNvPr id="1" name=""/>
+        <p:cNvGrpSpPr/>
+        <p:nvPr/>
+      </p:nvGrpSpPr>
+      <p:grpSpPr>
+        <a:xfrm>
+          <a:off x="0" y="0"/>
+          <a:ext cx="0" cy="0"/>
+          <a:chOff x="0" y="0"/>
+          <a:chExt cx="0" cy="0"/>
+        </a:xfrm>
+      </p:grpSpPr>
+      <p:sp>
+        <p:nvSpPr>
+          <p:cNvPr id="2" name="Title 1"/>
+          <p:cNvSpPr>
+            <a:spLocks noGrp="1"/>
+          </p:cNvSpPr>
+          <p:nvPr>
             <p:ph type="title"/>
           </p:nvPr>
         </p:nvSpPr>
@@ -4942,10 +5035,9 @@
           <a:lstStyle/>
           <a:p>
             <a:r>
-              <a:rPr lang="en-US" dirty="0" smtClean="0"/>
+              <a:rPr lang="en-US" dirty="0"/>
               <a:t>What is Excel?</a:t>
             </a:r>
-            <a:endParaRPr lang="en-US" dirty="0"/>
           </a:p>
         </p:txBody>
       </p:sp>
@@ -4970,31 +5062,23 @@
           <a:lstStyle/>
           <a:p>
             <a:r>
-              <a:rPr lang="en-US" dirty="0" smtClean="0"/>
+              <a:rPr lang="en-US" dirty="0"/>
               <a:t>What is a </a:t>
             </a:r>
             <a:r>
-              <a:rPr lang="en-US" b="1" dirty="0" smtClean="0"/>
+              <a:rPr lang="en-US" b="1" dirty="0"/>
               <a:t>cell</a:t>
             </a:r>
             <a:r>
-              <a:rPr lang="en-US" dirty="0" smtClean="0"/>
-              <a:t>?	</a:t>
-            </a:r>
-            <a:r>
-              <a:rPr lang="en-US" dirty="0"/>
-              <a:t>	</a:t>
-            </a:r>
-            <a:r>
-              <a:rPr lang="en-US" dirty="0" smtClean="0"/>
-              <a:t>	What is a </a:t>
-            </a:r>
-            <a:r>
-              <a:rPr lang="en-US" b="1" dirty="0" smtClean="0"/>
+              <a:rPr lang="en-US" dirty="0"/>
+              <a:t>?			What is a </a:t>
+            </a:r>
+            <a:r>
+              <a:rPr lang="en-US" b="1" dirty="0"/>
               <a:t>cell range</a:t>
             </a:r>
             <a:r>
-              <a:rPr lang="en-US" dirty="0" smtClean="0"/>
+              <a:rPr lang="en-US" dirty="0"/>
               <a:t>?</a:t>
             </a:r>
           </a:p>
@@ -5002,23 +5086,23 @@
             <a:endParaRPr lang="en-US" dirty="0"/>
           </a:p>
           <a:p>
-            <a:endParaRPr lang="en-US" dirty="0" smtClean="0"/>
-          </a:p>
-          <a:p>
             <a:endParaRPr lang="en-US" dirty="0"/>
           </a:p>
           <a:p>
-            <a:endParaRPr lang="en-US" dirty="0" smtClean="0"/>
-          </a:p>
-          <a:p>
             <a:endParaRPr lang="en-US" dirty="0"/>
           </a:p>
           <a:p>
             <a:endParaRPr lang="en-US" dirty="0"/>
           </a:p>
           <a:p>
-            <a:r>
-              <a:rPr lang="en-US" dirty="0" smtClean="0"/>
+            <a:endParaRPr lang="en-US" dirty="0"/>
+          </a:p>
+          <a:p>
+            <a:endParaRPr lang="en-US" dirty="0"/>
+          </a:p>
+          <a:p>
+            <a:r>
+              <a:rPr lang="en-US" dirty="0"/>
               <a:t>How can we use ‘cells’?</a:t>
             </a:r>
           </a:p>
@@ -5028,7 +5112,7 @@
               <a:buChar char="•"/>
             </a:pPr>
             <a:r>
-              <a:rPr lang="en-US" dirty="0" smtClean="0"/>
+              <a:rPr lang="en-US" dirty="0"/>
               <a:t>Store data: strings [text], numbers, dates</a:t>
             </a:r>
           </a:p>
@@ -5037,7 +5121,7 @@
               <a:buFont typeface="Arial" charset="0"/>
               <a:buChar char="•"/>
             </a:pPr>
-            <a:endParaRPr lang="en-US" dirty="0" smtClean="0"/>
+            <a:endParaRPr lang="en-US" dirty="0"/>
           </a:p>
           <a:p>
             <a:pPr marL="285750" indent="-285750">
@@ -5045,10 +5129,9 @@
               <a:buChar char="•"/>
             </a:pPr>
             <a:r>
-              <a:rPr lang="en-US" dirty="0" smtClean="0"/>
+              <a:rPr lang="en-US" dirty="0"/>
               <a:t>Cells can talk to other cells</a:t>
             </a:r>
-            <a:endParaRPr lang="en-US" dirty="0"/>
           </a:p>
           <a:p>
             <a:endParaRPr lang="en-US" dirty="0"/>
@@ -5140,83 +5223,6 @@
 </p:sld>
 </file>
 
-<file path=ppt/slides/slide15.xml><?xml version="1.0" encoding="utf-8"?>
-<p:sld xmlns:a="http://schemas.openxmlformats.org/drawingml/2006/main" xmlns:r="http://schemas.openxmlformats.org/officeDocument/2006/relationships" xmlns:p="http://schemas.openxmlformats.org/presentationml/2006/main">
-  <p:cSld>
-    <p:spTree>
-      <p:nvGrpSpPr>
-        <p:cNvPr id="1" name=""/>
-        <p:cNvGrpSpPr/>
-        <p:nvPr/>
-      </p:nvGrpSpPr>
-      <p:grpSpPr>
-        <a:xfrm>
-          <a:off x="0" y="0"/>
-          <a:ext cx="0" cy="0"/>
-          <a:chOff x="0" y="0"/>
-          <a:chExt cx="0" cy="0"/>
-        </a:xfrm>
-      </p:grpSpPr>
-      <p:sp>
-        <p:nvSpPr>
-          <p:cNvPr id="2" name="Title 1"/>
-          <p:cNvSpPr>
-            <a:spLocks noGrp="1"/>
-          </p:cNvSpPr>
-          <p:nvPr>
-            <p:ph type="ctrTitle"/>
-          </p:nvPr>
-        </p:nvSpPr>
-        <p:spPr>
-          <a:xfrm>
-            <a:off x="1845221" y="3391818"/>
-            <a:ext cx="6780334" cy="430887"/>
-          </a:xfrm>
-        </p:spPr>
-        <p:txBody>
-          <a:bodyPr/>
-          <a:lstStyle/>
-          <a:p>
-            <a:r>
-              <a:rPr lang="en-US" dirty="0" smtClean="0"/>
-              <a:t>Introduction to Excel concepts</a:t>
-            </a:r>
-            <a:endParaRPr lang="en-US" dirty="0"/>
-          </a:p>
-        </p:txBody>
-      </p:sp>
-      <p:sp>
-        <p:nvSpPr>
-          <p:cNvPr id="3" name="Subtitle 2"/>
-          <p:cNvSpPr>
-            <a:spLocks noGrp="1"/>
-          </p:cNvSpPr>
-          <p:nvPr>
-            <p:ph type="subTitle" idx="1"/>
-          </p:nvPr>
-        </p:nvSpPr>
-        <p:spPr/>
-        <p:txBody>
-          <a:bodyPr/>
-          <a:lstStyle/>
-          <a:p>
-            <a:endParaRPr lang="en-US" dirty="0"/>
-          </a:p>
-        </p:txBody>
-      </p:sp>
-    </p:spTree>
-    <p:extLst>
-      <p:ext uri="{BB962C8B-B14F-4D97-AF65-F5344CB8AC3E}">
-        <p14:creationId xmlns:p14="http://schemas.microsoft.com/office/powerpoint/2010/main" val="989746107"/>
-      </p:ext>
-    </p:extLst>
-  </p:cSld>
-  <p:clrMapOvr>
-    <a:masterClrMapping/>
-  </p:clrMapOvr>
-</p:sld>
-</file>
-
 <file path=ppt/slides/slide16.xml><?xml version="1.0" encoding="utf-8"?>
 <p:sld xmlns:a="http://schemas.openxmlformats.org/drawingml/2006/main" xmlns:r="http://schemas.openxmlformats.org/officeDocument/2006/relationships" xmlns:p="http://schemas.openxmlformats.org/presentationml/2006/main">
   <p:cSld>
@@ -5282,11 +5288,11 @@
           <a:lstStyle/>
           <a:p>
             <a:r>
-              <a:rPr lang="en-US" dirty="0" smtClean="0"/>
+              <a:rPr lang="en-US" dirty="0"/>
               <a:t>A </a:t>
             </a:r>
             <a:r>
-              <a:rPr lang="en-US" b="1" dirty="0" smtClean="0">
+              <a:rPr lang="en-US" b="1" dirty="0">
                 <a:solidFill>
                   <a:schemeClr val="accent2"/>
                 </a:solidFill>
@@ -5294,11 +5300,11 @@
               <a:t>function</a:t>
             </a:r>
             <a:r>
-              <a:rPr lang="en-US" dirty="0" smtClean="0"/>
+              <a:rPr lang="en-US" dirty="0"/>
               <a:t> takes </a:t>
             </a:r>
             <a:r>
-              <a:rPr lang="en-US" b="1" dirty="0" smtClean="0">
+              <a:rPr lang="en-US" b="1" dirty="0">
                 <a:solidFill>
                   <a:srgbClr val="0070C0"/>
                 </a:solidFill>
@@ -5306,15 +5312,15 @@
               <a:t>inputs</a:t>
             </a:r>
             <a:r>
-              <a:rPr lang="en-US" dirty="0" smtClean="0"/>
+              <a:rPr lang="en-US" dirty="0"/>
               <a:t> </a:t>
             </a:r>
             <a:r>
-              <a:rPr lang="en-US" sz="1200" dirty="0" smtClean="0"/>
+              <a:rPr lang="en-US" sz="1200" dirty="0"/>
               <a:t>(aka </a:t>
             </a:r>
             <a:r>
-              <a:rPr lang="en-US" sz="1200" dirty="0" smtClean="0">
+              <a:rPr lang="en-US" sz="1200" dirty="0">
                 <a:solidFill>
                   <a:srgbClr val="0070C0"/>
                 </a:solidFill>
@@ -5322,15 +5328,15 @@
               <a:t>arguments</a:t>
             </a:r>
             <a:r>
-              <a:rPr lang="en-US" sz="1200" dirty="0" smtClean="0"/>
+              <a:rPr lang="en-US" sz="1200" dirty="0"/>
               <a:t>)</a:t>
             </a:r>
             <a:r>
-              <a:rPr lang="en-US" dirty="0" smtClean="0"/>
+              <a:rPr lang="en-US" dirty="0"/>
               <a:t> and turns them into </a:t>
             </a:r>
             <a:r>
-              <a:rPr lang="en-US" b="1" dirty="0" smtClean="0">
+              <a:rPr lang="en-US" b="1" dirty="0">
                 <a:solidFill>
                   <a:srgbClr val="00B050"/>
                 </a:solidFill>
@@ -5338,7 +5344,7 @@
               <a:t>outputs</a:t>
             </a:r>
             <a:r>
-              <a:rPr lang="en-US" dirty="0" smtClean="0"/>
+              <a:rPr lang="en-US" dirty="0"/>
               <a:t>.</a:t>
             </a:r>
           </a:p>
@@ -5351,11 +5357,11 @@
               <a:buChar char="•"/>
             </a:pPr>
             <a:r>
-              <a:rPr lang="en-US" dirty="0" smtClean="0"/>
+              <a:rPr lang="en-US" dirty="0"/>
               <a:t>James </a:t>
             </a:r>
             <a:r>
-              <a:rPr lang="en-US" b="1" dirty="0" smtClean="0">
+              <a:rPr lang="en-US" b="1" dirty="0">
                 <a:solidFill>
                   <a:schemeClr val="accent2"/>
                 </a:solidFill>
@@ -5363,11 +5369,11 @@
               <a:t>listening</a:t>
             </a:r>
             <a:r>
-              <a:rPr lang="en-US" dirty="0" smtClean="0"/>
+              <a:rPr lang="en-US" dirty="0"/>
               <a:t> to </a:t>
             </a:r>
             <a:r>
-              <a:rPr lang="en-US" b="1" dirty="0" smtClean="0">
+              <a:rPr lang="en-US" b="1" dirty="0">
                 <a:solidFill>
                   <a:srgbClr val="0070C0"/>
                 </a:solidFill>
@@ -5375,11 +5381,11 @@
               <a:t>numbers being yelled out</a:t>
             </a:r>
             <a:r>
-              <a:rPr lang="en-US" dirty="0" smtClean="0"/>
+              <a:rPr lang="en-US" dirty="0"/>
               <a:t> and </a:t>
             </a:r>
             <a:r>
-              <a:rPr lang="en-US" b="1" dirty="0" smtClean="0">
+              <a:rPr lang="en-US" b="1" dirty="0">
                 <a:solidFill>
                   <a:schemeClr val="accent2"/>
                 </a:solidFill>
@@ -5387,11 +5393,11 @@
               <a:t>summing them</a:t>
             </a:r>
             <a:r>
-              <a:rPr lang="en-US" dirty="0" smtClean="0"/>
+              <a:rPr lang="en-US" dirty="0"/>
               <a:t> in his head and </a:t>
             </a:r>
             <a:r>
-              <a:rPr lang="en-US" b="1" dirty="0" smtClean="0">
+              <a:rPr lang="en-US" b="1" dirty="0">
                 <a:solidFill>
                   <a:schemeClr val="accent2"/>
                 </a:solidFill>
@@ -5399,11 +5405,11 @@
               <a:t>returning</a:t>
             </a:r>
             <a:r>
-              <a:rPr lang="en-US" dirty="0" smtClean="0"/>
+              <a:rPr lang="en-US" dirty="0"/>
               <a:t> an </a:t>
             </a:r>
             <a:r>
-              <a:rPr lang="en-US" b="1" dirty="0" smtClean="0">
+              <a:rPr lang="en-US" b="1" dirty="0">
                 <a:solidFill>
                   <a:srgbClr val="00B050"/>
                 </a:solidFill>
@@ -5411,7 +5417,7 @@
               <a:t>answer</a:t>
             </a:r>
             <a:r>
-              <a:rPr lang="en-US" dirty="0" smtClean="0"/>
+              <a:rPr lang="en-US" dirty="0"/>
               <a:t>.</a:t>
             </a:r>
           </a:p>
@@ -5420,7 +5426,7 @@
               <a:buFont typeface="Arial" charset="0"/>
               <a:buChar char="•"/>
             </a:pPr>
-            <a:endParaRPr lang="en-US" dirty="0" smtClean="0"/>
+            <a:endParaRPr lang="en-US" dirty="0"/>
           </a:p>
           <a:p>
             <a:pPr marL="285750" indent="-285750">
@@ -5428,7 +5434,7 @@
               <a:buChar char="•"/>
             </a:pPr>
             <a:r>
-              <a:rPr lang="en-US" dirty="0" smtClean="0"/>
+              <a:rPr lang="en-US" dirty="0"/>
               <a:t>In Excel, we could write: </a:t>
             </a:r>
           </a:p>
@@ -5437,14 +5443,14 @@
               <a:buFont typeface="Arial" charset="0"/>
               <a:buChar char="•"/>
             </a:pPr>
-            <a:endParaRPr lang="en-US" dirty="0" smtClean="0"/>
+            <a:endParaRPr lang="en-US" dirty="0"/>
           </a:p>
           <a:p>
             <a:pPr lvl="8" indent="0">
               <a:buNone/>
             </a:pPr>
             <a:r>
-              <a:rPr lang="en-US" sz="1800" dirty="0" smtClean="0">
+              <a:rPr lang="en-US" sz="1800" dirty="0">
                 <a:latin typeface="Courier New" charset="0"/>
                 <a:ea typeface="Courier New" charset="0"/>
                 <a:cs typeface="Courier New" charset="0"/>
@@ -5452,7 +5458,7 @@
               <a:t>=</a:t>
             </a:r>
             <a:r>
-              <a:rPr lang="en-US" sz="1800" b="1" dirty="0" smtClean="0">
+              <a:rPr lang="en-US" sz="1800" b="1" dirty="0">
                 <a:solidFill>
                   <a:schemeClr val="accent2"/>
                 </a:solidFill>
@@ -5463,7 +5469,7 @@
               <a:t>sum</a:t>
             </a:r>
             <a:r>
-              <a:rPr lang="en-US" sz="1800" dirty="0" smtClean="0">
+              <a:rPr lang="en-US" sz="1800" dirty="0">
                 <a:latin typeface="Courier New" charset="0"/>
                 <a:ea typeface="Courier New" charset="0"/>
                 <a:cs typeface="Courier New" charset="0"/>
@@ -5471,7 +5477,7 @@
               <a:t>(</a:t>
             </a:r>
             <a:r>
-              <a:rPr lang="en-US" sz="1800" dirty="0" smtClean="0">
+              <a:rPr lang="en-US" sz="1800" dirty="0">
                 <a:solidFill>
                   <a:srgbClr val="0070C0"/>
                 </a:solidFill>
@@ -5482,7 +5488,7 @@
               <a:t>A1:A5</a:t>
             </a:r>
             <a:r>
-              <a:rPr lang="en-US" sz="1800" dirty="0" smtClean="0">
+              <a:rPr lang="en-US" sz="1800" dirty="0">
                 <a:latin typeface="Courier New" charset="0"/>
                 <a:ea typeface="Courier New" charset="0"/>
                 <a:cs typeface="Courier New" charset="0"/>
@@ -5494,15 +5500,35 @@
             <a:pPr lvl="8" indent="0">
               <a:buNone/>
             </a:pPr>
-            <a:endParaRPr lang="en-US" sz="1800" dirty="0" smtClean="0"/>
+            <a:endParaRPr lang="en-US" sz="1800" dirty="0"/>
           </a:p>
           <a:p>
             <a:pPr lvl="8" indent="0">
               <a:buNone/>
             </a:pPr>
             <a:r>
-              <a:rPr lang="en-US" sz="1800" dirty="0" smtClean="0"/>
-              <a:t>The function is sum, that takes the arguments A1:A5</a:t>
+              <a:rPr lang="en-US" sz="1800" dirty="0"/>
+              <a:t>The </a:t>
+            </a:r>
+            <a:r>
+              <a:rPr lang="en-US" sz="1800" dirty="0">
+                <a:solidFill>
+                  <a:schemeClr val="accent2"/>
+                </a:solidFill>
+              </a:rPr>
+              <a:t>function </a:t>
+            </a:r>
+            <a:r>
+              <a:rPr lang="en-US" sz="1800" dirty="0"/>
+              <a:t>is sum, that takes the </a:t>
+            </a:r>
+            <a:r>
+              <a:rPr lang="en-US" sz="1800" dirty="0">
+                <a:solidFill>
+                  <a:srgbClr val="0070C0"/>
+                </a:solidFill>
+              </a:rPr>
+              <a:t>arguments A1:A5</a:t>
             </a:r>
           </a:p>
           <a:p>
@@ -5510,15 +5536,39 @@
               <a:buNone/>
             </a:pPr>
             <a:r>
-              <a:rPr lang="en-US" sz="1800" dirty="0" smtClean="0"/>
-              <a:t>and will return the sum of all numbers in the </a:t>
-            </a:r>
-            <a:r>
-              <a:rPr lang="en-US" sz="1800" i="1" dirty="0" smtClean="0"/>
+              <a:rPr lang="en-US" sz="1800" dirty="0"/>
+              <a:t>and will</a:t>
+            </a:r>
+            <a:r>
+              <a:rPr lang="en-US" sz="1800" dirty="0">
+                <a:solidFill>
+                  <a:srgbClr val="0070C0"/>
+                </a:solidFill>
+              </a:rPr>
+              <a:t> </a:t>
+            </a:r>
+            <a:r>
+              <a:rPr lang="en-US" sz="1800" dirty="0">
+                <a:solidFill>
+                  <a:srgbClr val="00B050"/>
+                </a:solidFill>
+              </a:rPr>
+              <a:t>return the sum of all numbers</a:t>
+            </a:r>
+            <a:r>
+              <a:rPr lang="en-US" sz="1800" dirty="0"/>
+              <a:t> in the </a:t>
+            </a:r>
+            <a:r>
+              <a:rPr lang="en-US" sz="1800" i="1" dirty="0">
+                <a:solidFill>
+                  <a:srgbClr val="0070C0"/>
+                </a:solidFill>
+              </a:rPr>
               <a:t>range</a:t>
             </a:r>
             <a:r>
-              <a:rPr lang="en-US" sz="1800" dirty="0" smtClean="0"/>
+              <a:rPr lang="en-US" sz="1800" dirty="0"/>
               <a:t>.</a:t>
             </a:r>
           </a:p>
@@ -5534,23 +5584,23 @@
               <a:buFont typeface="Arial" charset="0"/>
               <a:buChar char="•"/>
             </a:pPr>
-            <a:endParaRPr lang="en-US" dirty="0" smtClean="0"/>
+            <a:endParaRPr lang="en-US" dirty="0"/>
           </a:p>
           <a:p>
             <a:pPr marL="285750" indent="-285750">
               <a:buFont typeface="Arial" charset="0"/>
               <a:buChar char="•"/>
             </a:pPr>
-            <a:endParaRPr lang="en-US" dirty="0" smtClean="0"/>
-          </a:p>
-          <a:p>
             <a:endParaRPr lang="en-US" dirty="0"/>
           </a:p>
           <a:p>
             <a:endParaRPr lang="en-US" dirty="0"/>
           </a:p>
           <a:p>
-            <a:endParaRPr lang="en-US" dirty="0" smtClean="0"/>
+            <a:endParaRPr lang="en-US" dirty="0"/>
+          </a:p>
+          <a:p>
+            <a:endParaRPr lang="en-US" dirty="0"/>
           </a:p>
           <a:p>
             <a:endParaRPr lang="en-US" dirty="0"/>
@@ -5608,10 +5658,9 @@
           <a:lstStyle/>
           <a:p>
             <a:r>
-              <a:rPr lang="en-US" dirty="0" smtClean="0"/>
+              <a:rPr lang="en-US" dirty="0"/>
               <a:t>What can functions do?</a:t>
             </a:r>
-            <a:endParaRPr lang="en-US" dirty="0"/>
           </a:p>
         </p:txBody>
       </p:sp>
@@ -5636,24 +5685,24 @@
           <a:lstStyle/>
           <a:p>
             <a:r>
-              <a:rPr lang="en-US" dirty="0" smtClean="0"/>
+              <a:rPr lang="en-US" dirty="0"/>
               <a:t>Anything you want. Limited only by the program (</a:t>
             </a:r>
             <a:r>
-              <a:rPr lang="en-US" dirty="0" err="1" smtClean="0"/>
+              <a:rPr lang="en-US" dirty="0" err="1"/>
               <a:t>eg</a:t>
             </a:r>
             <a:r>
-              <a:rPr lang="en-US" dirty="0" smtClean="0"/>
+              <a:rPr lang="en-US" dirty="0"/>
               <a:t> Excel, Stata) or language (</a:t>
             </a:r>
             <a:r>
-              <a:rPr lang="en-US" dirty="0" err="1" smtClean="0"/>
+              <a:rPr lang="en-US" dirty="0" err="1"/>
               <a:t>eg</a:t>
             </a:r>
             <a:r>
-              <a:rPr lang="en-US" dirty="0" smtClean="0"/>
-              <a:t> R, Python) you are using. </a:t>
+              <a:rPr lang="en-US" dirty="0"/>
+              <a:t> R, Python) you are using, and by what other gorgeous people have written.</a:t>
             </a:r>
           </a:p>
           <a:p>
@@ -5661,21 +5710,16 @@
           </a:p>
           <a:p>
             <a:r>
-              <a:rPr lang="en-US" dirty="0" smtClean="0"/>
+              <a:rPr lang="en-US" dirty="0"/>
               <a:t>Some programs/languages are better for some things, worse for others. </a:t>
             </a:r>
-            <a:endParaRPr lang="en-US" dirty="0"/>
-          </a:p>
-          <a:p>
-            <a:r>
-              <a:rPr lang="en-US" dirty="0" smtClean="0"/>
-              <a:t/>
-            </a:r>
+          </a:p>
+          <a:p>
             <a:br>
-              <a:rPr lang="en-US" dirty="0" smtClean="0"/>
+              <a:rPr lang="en-US" dirty="0"/>
             </a:br>
             <a:r>
-              <a:rPr lang="en-US" dirty="0" smtClean="0"/>
+              <a:rPr lang="en-US" dirty="0"/>
               <a:t>Functions are usually the answer to the thought:</a:t>
             </a:r>
           </a:p>
@@ -5690,7 +5734,7 @@
           <a:p>
             <a:pPr algn="ctr"/>
             <a:r>
-              <a:rPr lang="en-US" i="1" dirty="0" smtClean="0">
+              <a:rPr lang="en-US" i="1" dirty="0">
                 <a:solidFill>
                   <a:schemeClr val="accent2"/>
                 </a:solidFill>
@@ -5698,7 +5742,7 @@
               <a:t>“ugh, this is taking ages I wish the computer could do this automatically”</a:t>
             </a:r>
             <a:r>
-              <a:rPr lang="en-US" dirty="0" smtClean="0"/>
+              <a:rPr lang="en-US" dirty="0"/>
               <a:t>. </a:t>
             </a:r>
           </a:p>
@@ -5706,7 +5750,7 @@
             <a:endParaRPr lang="en-US" dirty="0"/>
           </a:p>
           <a:p>
-            <a:endParaRPr lang="en-US" sz="1800" dirty="0" smtClean="0"/>
+            <a:endParaRPr lang="en-US" sz="1800" dirty="0"/>
           </a:p>
           <a:p>
             <a:pPr marL="285750" indent="-285750">
@@ -5720,23 +5764,23 @@
               <a:buFont typeface="Arial" charset="0"/>
               <a:buChar char="•"/>
             </a:pPr>
-            <a:endParaRPr lang="en-US" dirty="0" smtClean="0"/>
+            <a:endParaRPr lang="en-US" dirty="0"/>
           </a:p>
           <a:p>
             <a:pPr marL="285750" indent="-285750">
               <a:buFont typeface="Arial" charset="0"/>
               <a:buChar char="•"/>
             </a:pPr>
-            <a:endParaRPr lang="en-US" dirty="0" smtClean="0"/>
-          </a:p>
-          <a:p>
             <a:endParaRPr lang="en-US" dirty="0"/>
           </a:p>
           <a:p>
             <a:endParaRPr lang="en-US" dirty="0"/>
           </a:p>
           <a:p>
-            <a:endParaRPr lang="en-US" dirty="0" smtClean="0"/>
+            <a:endParaRPr lang="en-US" dirty="0"/>
+          </a:p>
+          <a:p>
+            <a:endParaRPr lang="en-US" dirty="0"/>
           </a:p>
           <a:p>
             <a:endParaRPr lang="en-US" dirty="0"/>
@@ -5794,10 +5838,9 @@
           <a:lstStyle/>
           <a:p>
             <a:r>
-              <a:rPr lang="en-US" dirty="0" smtClean="0"/>
+              <a:rPr lang="en-US" dirty="0"/>
               <a:t>What can functions do?	Excel:</a:t>
             </a:r>
-            <a:endParaRPr lang="en-US" dirty="0"/>
           </a:p>
         </p:txBody>
       </p:sp>
@@ -5847,10 +5890,9 @@
           <a:lstStyle/>
           <a:p>
             <a:r>
-              <a:rPr lang="en-US" sz="1800" dirty="0" smtClean="0"/>
+              <a:rPr lang="en-US" sz="1800" dirty="0"/>
               <a:t>How many blue?</a:t>
             </a:r>
-            <a:endParaRPr lang="en-US" sz="1800" dirty="0"/>
           </a:p>
         </p:txBody>
       </p:sp>
@@ -5907,7 +5949,7 @@
               <a:buNone/>
               <a:tabLst/>
             </a:pPr>
-            <a:endParaRPr kumimoji="0" lang="en-US" sz="2400" b="0" i="0" u="none" strike="noStrike" cap="none" normalizeH="0" baseline="0" smtClean="0">
+            <a:endParaRPr kumimoji="0" lang="en-US" sz="2400" b="0" i="0" u="none" strike="noStrike" cap="none" normalizeH="0" baseline="0">
               <a:ln>
                 <a:noFill/>
               </a:ln>
@@ -5946,18 +5988,13 @@
           <a:lstStyle/>
           <a:p>
             <a:r>
-              <a:rPr lang="en-US" sz="1800" b="1" dirty="0" smtClean="0">
+              <a:rPr lang="en-US" sz="1800" b="1" dirty="0">
                 <a:latin typeface="Courier New" charset="0"/>
                 <a:ea typeface="Courier New" charset="0"/>
                 <a:cs typeface="Courier New" charset="0"/>
               </a:rPr>
               <a:t>range</a:t>
             </a:r>
-            <a:endParaRPr lang="en-US" sz="1800" b="1" dirty="0">
-              <a:latin typeface="Courier New" charset="0"/>
-              <a:ea typeface="Courier New" charset="0"/>
-              <a:cs typeface="Courier New" charset="0"/>
-            </a:endParaRPr>
           </a:p>
         </p:txBody>
       </p:sp>
@@ -5986,7 +6023,7 @@
           <a:lstStyle/>
           <a:p>
             <a:r>
-              <a:rPr lang="en-US" sz="1800" b="1" dirty="0" smtClean="0">
+              <a:rPr lang="en-US" sz="1800" b="1" dirty="0">
                 <a:solidFill>
                   <a:schemeClr val="accent2"/>
                 </a:solidFill>
@@ -5996,14 +6033,6 @@
               </a:rPr>
               <a:t>function</a:t>
             </a:r>
-            <a:endParaRPr lang="en-US" sz="1800" b="1" dirty="0">
-              <a:solidFill>
-                <a:schemeClr val="accent2"/>
-              </a:solidFill>
-              <a:latin typeface="Courier New" charset="0"/>
-              <a:ea typeface="Courier New" charset="0"/>
-              <a:cs typeface="Courier New" charset="0"/>
-            </a:endParaRPr>
           </a:p>
         </p:txBody>
       </p:sp>
@@ -6032,7 +6061,7 @@
           <a:lstStyle/>
           <a:p>
             <a:r>
-              <a:rPr lang="en-US" sz="1800" b="1" dirty="0" smtClean="0">
+              <a:rPr lang="en-US" sz="1800" b="1" dirty="0">
                 <a:solidFill>
                   <a:srgbClr val="0070C0"/>
                 </a:solidFill>
@@ -6042,14 +6071,6 @@
               </a:rPr>
               <a:t>arguments</a:t>
             </a:r>
-            <a:endParaRPr lang="en-US" sz="1800" b="1" dirty="0">
-              <a:solidFill>
-                <a:srgbClr val="0070C0"/>
-              </a:solidFill>
-              <a:latin typeface="Courier New" charset="0"/>
-              <a:ea typeface="Courier New" charset="0"/>
-              <a:cs typeface="Courier New" charset="0"/>
-            </a:endParaRPr>
           </a:p>
         </p:txBody>
       </p:sp>
@@ -6110,7 +6131,7 @@
               <a:buNone/>
               <a:tabLst/>
             </a:pPr>
-            <a:endParaRPr kumimoji="0" lang="en-US" sz="2400" b="0" i="0" u="none" strike="noStrike" cap="none" normalizeH="0" baseline="0" smtClean="0">
+            <a:endParaRPr kumimoji="0" lang="en-US" sz="2400" b="0" i="0" u="none" strike="noStrike" cap="none" normalizeH="0" baseline="0">
               <a:ln>
                 <a:noFill/>
               </a:ln>
@@ -6184,7 +6205,7 @@
               <a:buNone/>
               <a:tabLst/>
             </a:pPr>
-            <a:endParaRPr kumimoji="0" lang="en-US" sz="2400" b="0" i="0" u="none" strike="noStrike" cap="none" normalizeH="0" baseline="0" smtClean="0">
+            <a:endParaRPr kumimoji="0" lang="en-US" sz="2400" b="0" i="0" u="none" strike="noStrike" cap="none" normalizeH="0" baseline="0">
               <a:ln>
                 <a:noFill/>
               </a:ln>
@@ -6207,7 +6228,7 @@
         <p:spPr>
           <a:xfrm>
             <a:off x="1346739" y="5824349"/>
-            <a:ext cx="6583854" cy="369332"/>
+            <a:ext cx="6673622" cy="369332"/>
           </a:xfrm>
           <a:prstGeom prst="rect">
             <a:avLst/>
@@ -6220,10 +6241,49 @@
           <a:lstStyle/>
           <a:p>
             <a:r>
-              <a:rPr lang="en-US" sz="1800" dirty="0" smtClean="0"/>
-              <a:t>“Look at all the cells and count them if they say the word “blue”</a:t>
-            </a:r>
-            <a:endParaRPr lang="en-US" sz="1800" dirty="0"/>
+              <a:rPr lang="en-US" sz="1800" dirty="0"/>
+              <a:t>“</a:t>
+            </a:r>
+            <a:r>
+              <a:rPr lang="en-US" sz="1800" dirty="0">
+                <a:solidFill>
+                  <a:schemeClr val="accent2"/>
+                </a:solidFill>
+              </a:rPr>
+              <a:t>Look at all the cells</a:t>
+            </a:r>
+            <a:r>
+              <a:rPr lang="en-US" sz="1800" dirty="0"/>
+              <a:t> and </a:t>
+            </a:r>
+            <a:r>
+              <a:rPr lang="en-US" sz="1800" b="1" dirty="0"/>
+              <a:t>count</a:t>
+            </a:r>
+            <a:r>
+              <a:rPr lang="en-US" sz="1800" dirty="0"/>
+              <a:t> them </a:t>
+            </a:r>
+            <a:r>
+              <a:rPr lang="en-US" sz="1800" b="1" dirty="0"/>
+              <a:t>if</a:t>
+            </a:r>
+            <a:r>
+              <a:rPr lang="en-US" sz="1800" dirty="0"/>
+              <a:t> they say the word “</a:t>
+            </a:r>
+            <a:r>
+              <a:rPr lang="en-US" sz="1800" dirty="0">
+                <a:solidFill>
+                  <a:srgbClr val="0070C0"/>
+                </a:solidFill>
+              </a:rPr>
+              <a:t>blue</a:t>
+            </a:r>
+            <a:r>
+              <a:rPr lang="en-US" sz="1800" dirty="0"/>
+              <a:t>”</a:t>
+            </a:r>
           </a:p>
         </p:txBody>
       </p:sp>
@@ -6278,18 +6338,9 @@
           <a:lstStyle/>
           <a:p>
             <a:r>
-              <a:rPr lang="en-US" dirty="0" smtClean="0"/>
-              <a:t>What can functions do?</a:t>
-            </a:r>
-            <a:r>
-              <a:rPr lang="en-US" dirty="0"/>
-              <a:t> 	</a:t>
-            </a:r>
-            <a:r>
-              <a:rPr lang="en-US" dirty="0" smtClean="0"/>
-              <a:t>R:</a:t>
-            </a:r>
-            <a:endParaRPr lang="en-US" dirty="0"/>
+              <a:rPr lang="en-US" dirty="0"/>
+              <a:t>What can functions do? 	R:</a:t>
+            </a:r>
           </a:p>
         </p:txBody>
       </p:sp>
@@ -6318,7 +6369,7 @@
           <a:lstStyle/>
           <a:p>
             <a:r>
-              <a:rPr lang="en-US" sz="1800" b="1" dirty="0" smtClean="0">
+              <a:rPr lang="en-US" sz="1800" b="1" dirty="0">
                 <a:solidFill>
                   <a:schemeClr val="accent2"/>
                 </a:solidFill>
@@ -6328,14 +6379,6 @@
               </a:rPr>
               <a:t>function</a:t>
             </a:r>
-            <a:endParaRPr lang="en-US" sz="1800" b="1" dirty="0">
-              <a:solidFill>
-                <a:schemeClr val="accent2"/>
-              </a:solidFill>
-              <a:latin typeface="Courier New" charset="0"/>
-              <a:ea typeface="Courier New" charset="0"/>
-              <a:cs typeface="Courier New" charset="0"/>
-            </a:endParaRPr>
           </a:p>
         </p:txBody>
       </p:sp>
@@ -6364,7 +6407,7 @@
           <a:lstStyle/>
           <a:p>
             <a:r>
-              <a:rPr lang="en-US" sz="1800" b="1" dirty="0" smtClean="0">
+              <a:rPr lang="en-US" sz="1800" b="1" dirty="0">
                 <a:solidFill>
                   <a:srgbClr val="0070C0"/>
                 </a:solidFill>
@@ -6374,14 +6417,6 @@
               </a:rPr>
               <a:t>arguments</a:t>
             </a:r>
-            <a:endParaRPr lang="en-US" sz="1800" b="1" dirty="0">
-              <a:solidFill>
-                <a:srgbClr val="0070C0"/>
-              </a:solidFill>
-              <a:latin typeface="Courier New" charset="0"/>
-              <a:ea typeface="Courier New" charset="0"/>
-              <a:cs typeface="Courier New" charset="0"/>
-            </a:endParaRPr>
           </a:p>
         </p:txBody>
       </p:sp>
@@ -6442,7 +6477,7 @@
               <a:buNone/>
               <a:tabLst/>
             </a:pPr>
-            <a:endParaRPr kumimoji="0" lang="en-US" sz="2400" b="0" i="0" u="none" strike="noStrike" cap="none" normalizeH="0" baseline="0" smtClean="0">
+            <a:endParaRPr kumimoji="0" lang="en-US" sz="2400" b="0" i="0" u="none" strike="noStrike" cap="none" normalizeH="0" baseline="0">
               <a:ln>
                 <a:noFill/>
               </a:ln>
@@ -6516,7 +6551,7 @@
               <a:buNone/>
               <a:tabLst/>
             </a:pPr>
-            <a:endParaRPr kumimoji="0" lang="en-US" sz="2400" b="0" i="0" u="none" strike="noStrike" cap="none" normalizeH="0" baseline="0" smtClean="0">
+            <a:endParaRPr kumimoji="0" lang="en-US" sz="2400" b="0" i="0" u="none" strike="noStrike" cap="none" normalizeH="0" baseline="0">
               <a:ln>
                 <a:noFill/>
               </a:ln>
@@ -6538,8 +6573,8 @@
         </p:nvSpPr>
         <p:spPr>
           <a:xfrm>
-            <a:off x="1346739" y="4832311"/>
-            <a:ext cx="7141653" cy="923330"/>
+            <a:off x="646113" y="4832311"/>
+            <a:ext cx="7977187" cy="646331"/>
           </a:xfrm>
           <a:prstGeom prst="rect">
             <a:avLst/>
@@ -6553,10 +6588,69 @@
           <a:p>
             <a:pPr algn="ctr"/>
             <a:r>
-              <a:rPr lang="en-US" sz="1800" dirty="0" smtClean="0"/>
-              <a:t>“Look at the Google Maps API and find the time and distance in metrics units to drive between Liverpool, NSW, Australia and Sydney, NSW Australia.”</a:t>
-            </a:r>
-            <a:endParaRPr lang="en-US" sz="1800" dirty="0"/>
+              <a:rPr lang="en-US" sz="1800" dirty="0"/>
+              <a:t>“</a:t>
+            </a:r>
+            <a:r>
+              <a:rPr lang="en-US" sz="1800" dirty="0">
+                <a:solidFill>
+                  <a:schemeClr val="accent2"/>
+                </a:solidFill>
+              </a:rPr>
+              <a:t>Look at Google Maps and find the time and distance</a:t>
+            </a:r>
+            <a:r>
+              <a:rPr lang="en-US" sz="1800" dirty="0"/>
+              <a:t> in </a:t>
+            </a:r>
+            <a:r>
+              <a:rPr lang="en-US" sz="1800" dirty="0">
+                <a:solidFill>
+                  <a:srgbClr val="0070C0"/>
+                </a:solidFill>
+              </a:rPr>
+              <a:t>metrics units</a:t>
+            </a:r>
+            <a:r>
+              <a:rPr lang="en-US" sz="1800" dirty="0"/>
+              <a:t> to </a:t>
+            </a:r>
+            <a:r>
+              <a:rPr lang="en-US" sz="1800" dirty="0">
+                <a:solidFill>
+                  <a:srgbClr val="0070C0"/>
+                </a:solidFill>
+              </a:rPr>
+              <a:t>drive between</a:t>
+            </a:r>
+            <a:r>
+              <a:rPr lang="en-US" sz="1800" dirty="0"/>
+              <a:t> </a:t>
+            </a:r>
+            <a:r>
+              <a:rPr lang="en-US" sz="1800" dirty="0">
+                <a:solidFill>
+                  <a:srgbClr val="0070C0"/>
+                </a:solidFill>
+              </a:rPr>
+              <a:t>Liverpool, NSW, Australia </a:t>
+            </a:r>
+            <a:r>
+              <a:rPr lang="en-US" sz="1800" dirty="0"/>
+              <a:t>and </a:t>
+            </a:r>
+            <a:r>
+              <a:rPr lang="en-US" sz="1800" dirty="0">
+                <a:solidFill>
+                  <a:srgbClr val="0070C0"/>
+                </a:solidFill>
+              </a:rPr>
+              <a:t>Sydney, NSW Australia</a:t>
+            </a:r>
+            <a:r>
+              <a:rPr lang="en-US" sz="1800" dirty="0"/>
+              <a:t>.”</a:t>
+            </a:r>
           </a:p>
         </p:txBody>
       </p:sp>
@@ -6634,10 +6728,9 @@
           <a:lstStyle/>
           <a:p>
             <a:r>
-              <a:rPr lang="en-US" dirty="0" smtClean="0"/>
+              <a:rPr lang="en-US" dirty="0"/>
               <a:t>Higher incomes closer to the city</a:t>
             </a:r>
-            <a:endParaRPr lang="en-US" dirty="0"/>
           </a:p>
         </p:txBody>
       </p:sp>
@@ -6657,18 +6750,9 @@
           <a:lstStyle/>
           <a:p>
             <a:r>
-              <a:rPr lang="en-US" dirty="0" smtClean="0"/>
-              <a:t>Minutes drive to state’s capital city (log </a:t>
-            </a:r>
-            <a:r>
-              <a:rPr lang="en-US" dirty="0"/>
-              <a:t>scale) </a:t>
-            </a:r>
-            <a:r>
-              <a:rPr lang="en-US" dirty="0" smtClean="0"/>
-              <a:t>and average income by region</a:t>
-            </a:r>
-            <a:endParaRPr lang="en-US" dirty="0"/>
+              <a:rPr lang="en-US" dirty="0"/>
+              <a:t>Minutes drive to state’s capital city (log scale) and average income by region</a:t>
+            </a:r>
           </a:p>
         </p:txBody>
       </p:sp>
@@ -6693,16 +6777,15 @@
           <a:lstStyle/>
           <a:p>
             <a:r>
-              <a:rPr lang="en-US" dirty="0" smtClean="0"/>
+              <a:rPr lang="en-US" dirty="0"/>
               <a:t>Notes: Income by Statistical Area 3 (2011) used. Google Maps API used to calculate driving time to same-state capital city</a:t>
             </a:r>
           </a:p>
           <a:p>
             <a:r>
-              <a:rPr lang="en-US" dirty="0" smtClean="0"/>
+              <a:rPr lang="en-US" dirty="0"/>
               <a:t>Source: ABS</a:t>
             </a:r>
-            <a:endParaRPr lang="en-US" dirty="0"/>
           </a:p>
         </p:txBody>
       </p:sp>
@@ -6745,7 +6828,7 @@
           <a:lstStyle/>
           <a:p>
             <a:r>
-              <a:rPr lang="en-US" smtClean="0"/>
+              <a:rPr lang="en-US"/>
               <a:t>Average income</a:t>
             </a:r>
             <a:endParaRPr lang="en-US" dirty="0"/>
@@ -6798,10 +6881,9 @@
           <a:lstStyle/>
           <a:p>
             <a:r>
-              <a:rPr lang="en-US" dirty="0" smtClean="0"/>
+              <a:rPr lang="en-US" dirty="0"/>
               <a:t>Why we use data</a:t>
             </a:r>
-            <a:endParaRPr lang="en-US" dirty="0"/>
           </a:p>
         </p:txBody>
       </p:sp>
@@ -6818,7 +6900,7 @@
         <p:spPr>
           <a:xfrm>
             <a:off x="642389" y="1258888"/>
-            <a:ext cx="7980911" cy="5201424"/>
+            <a:ext cx="7980911" cy="5986254"/>
           </a:xfrm>
         </p:spPr>
         <p:txBody>
@@ -6826,11 +6908,11 @@
           <a:lstStyle/>
           <a:p>
             <a:r>
-              <a:rPr lang="en-US" dirty="0" smtClean="0"/>
+              <a:rPr lang="en-US" dirty="0"/>
               <a:t>1. Have a </a:t>
             </a:r>
             <a:r>
-              <a:rPr lang="en-US" b="1" dirty="0" smtClean="0">
+              <a:rPr lang="en-US" b="1" dirty="0">
                 <a:solidFill>
                   <a:schemeClr val="accent2"/>
                 </a:solidFill>
@@ -6838,32 +6920,32 @@
               <a:t>question </a:t>
             </a:r>
             <a:r>
-              <a:rPr lang="en-US" dirty="0" smtClean="0"/>
+              <a:rPr lang="en-US" dirty="0"/>
               <a:t>or idea you would like to explore</a:t>
             </a:r>
           </a:p>
           <a:p>
-            <a:endParaRPr lang="en-US" dirty="0" smtClean="0"/>
-          </a:p>
-          <a:p>
-            <a:r>
-              <a:rPr lang="en-US" dirty="0" smtClean="0"/>
+            <a:endParaRPr lang="en-US" dirty="0"/>
+          </a:p>
+          <a:p>
+            <a:r>
+              <a:rPr lang="en-US" dirty="0"/>
               <a:t>	(or a point to prove to your housemates)</a:t>
             </a:r>
           </a:p>
           <a:p>
-            <a:endParaRPr lang="en-US" dirty="0" smtClean="0"/>
-          </a:p>
-          <a:p>
-            <a:endParaRPr lang="en-US" dirty="0" smtClean="0"/>
-          </a:p>
-          <a:p>
-            <a:r>
-              <a:rPr lang="en-US" dirty="0" smtClean="0"/>
+            <a:endParaRPr lang="en-US" dirty="0"/>
+          </a:p>
+          <a:p>
+            <a:endParaRPr lang="en-US" dirty="0"/>
+          </a:p>
+          <a:p>
+            <a:r>
+              <a:rPr lang="en-US" dirty="0"/>
               <a:t>2. </a:t>
             </a:r>
             <a:r>
-              <a:rPr lang="en-US" b="1" dirty="0" smtClean="0">
+              <a:rPr lang="en-US" b="1" dirty="0">
                 <a:solidFill>
                   <a:schemeClr val="accent2"/>
                 </a:solidFill>
@@ -6871,11 +6953,11 @@
               <a:t>Find </a:t>
             </a:r>
             <a:r>
-              <a:rPr lang="en-US" dirty="0" smtClean="0"/>
+              <a:rPr lang="en-US" dirty="0"/>
               <a:t>(or wrangle) and check relevant </a:t>
             </a:r>
             <a:r>
-              <a:rPr lang="en-US" b="1" dirty="0" smtClean="0">
+              <a:rPr lang="en-US" b="1" dirty="0">
                 <a:solidFill>
                   <a:schemeClr val="accent2"/>
                 </a:solidFill>
@@ -6884,7 +6966,7 @@
             </a:r>
           </a:p>
           <a:p>
-            <a:endParaRPr lang="en-US" dirty="0" smtClean="0"/>
+            <a:endParaRPr lang="en-US" dirty="0"/>
           </a:p>
           <a:p>
             <a:pPr marL="0" lvl="1" indent="0">
@@ -6893,11 +6975,7 @@
             </a:pPr>
             <a:r>
               <a:rPr lang="en-US" dirty="0"/>
-              <a:t>	</a:t>
-            </a:r>
-            <a:r>
-              <a:rPr lang="en-US" dirty="0" smtClean="0"/>
-              <a:t>Check and re-check your data and data source</a:t>
+              <a:t>	Check and re-check your data and data source</a:t>
             </a:r>
           </a:p>
           <a:p>
@@ -6906,31 +6984,53 @@
               <a:buNone/>
             </a:pPr>
             <a:r>
-              <a:rPr lang="en-US" dirty="0"/>
-              <a:t>	</a:t>
-            </a:r>
-            <a:r>
-              <a:rPr lang="en-US" dirty="0" smtClean="0"/>
-              <a:t>Maybe generate </a:t>
-            </a:r>
-            <a:r>
-              <a:rPr lang="en-US" dirty="0"/>
-              <a:t>better data</a:t>
-            </a:r>
-          </a:p>
-          <a:p>
-            <a:endParaRPr lang="en-US" dirty="0" smtClean="0"/>
-          </a:p>
-          <a:p>
-            <a:endParaRPr lang="en-US" dirty="0" smtClean="0"/>
-          </a:p>
-          <a:p>
-            <a:r>
-              <a:rPr lang="en-US" dirty="0" smtClean="0"/>
+              <a:rPr lang="en-US" i="1" dirty="0"/>
+              <a:t>		Check and re-check your data and data source</a:t>
+            </a:r>
+          </a:p>
+          <a:p>
+            <a:pPr marL="0" lvl="1" indent="0">
+              <a:buSzTx/>
+              <a:buNone/>
+            </a:pPr>
+            <a:r>
+              <a:rPr lang="en-US" i="1" dirty="0"/>
+              <a:t>		Check and re-check your data and data source</a:t>
+            </a:r>
+          </a:p>
+          <a:p>
+            <a:pPr marL="0" lvl="1" indent="0">
+              <a:buSzTx/>
+              <a:buNone/>
+            </a:pPr>
+            <a:r>
+              <a:rPr lang="en-US" dirty="0"/>
+              <a:t>	Maybe we can mutate our data to be more suitable?</a:t>
+            </a:r>
+          </a:p>
+          <a:p>
+            <a:pPr marL="0" lvl="1" indent="0">
+              <a:buSzTx/>
+              <a:buNone/>
+            </a:pPr>
+            <a:r>
+              <a:rPr lang="en-US" dirty="0"/>
+              <a:t>	Maybe we can generate better data?</a:t>
+            </a:r>
+          </a:p>
+          <a:p>
+            <a:endParaRPr lang="en-US" dirty="0"/>
+          </a:p>
+          <a:p>
+            <a:endParaRPr lang="en-US" dirty="0"/>
+          </a:p>
+          <a:p>
+            <a:r>
+              <a:rPr lang="en-US" dirty="0"/>
               <a:t>3. Analyse your data: </a:t>
             </a:r>
             <a:r>
-              <a:rPr lang="en-US" b="1" dirty="0" smtClean="0">
+              <a:rPr lang="en-US" b="1" dirty="0">
                 <a:solidFill>
                   <a:schemeClr val="accent2"/>
                 </a:solidFill>
@@ -6939,18 +7039,18 @@
             </a:r>
           </a:p>
           <a:p>
-            <a:endParaRPr lang="en-US" dirty="0" smtClean="0"/>
-          </a:p>
-          <a:p>
             <a:endParaRPr lang="en-US" dirty="0"/>
           </a:p>
           <a:p>
-            <a:r>
-              <a:rPr lang="en-US" dirty="0" smtClean="0"/>
+            <a:endParaRPr lang="en-US" dirty="0"/>
+          </a:p>
+          <a:p>
+            <a:r>
+              <a:rPr lang="en-US" dirty="0"/>
               <a:t>4. </a:t>
             </a:r>
             <a:r>
-              <a:rPr lang="en-US" b="1" dirty="0" smtClean="0">
+              <a:rPr lang="en-US" b="1" dirty="0">
                 <a:solidFill>
                   <a:schemeClr val="accent2"/>
                 </a:solidFill>
@@ -6958,7 +7058,7 @@
               <a:t>Present data </a:t>
             </a:r>
             <a:r>
-              <a:rPr lang="en-US" dirty="0" smtClean="0"/>
+              <a:rPr lang="en-US" dirty="0"/>
               <a:t>in a way that draws the reader to your message</a:t>
             </a:r>
           </a:p>
@@ -6972,14 +7072,14 @@
             <a:pPr lvl="1" indent="0">
               <a:buNone/>
             </a:pPr>
-            <a:endParaRPr lang="en-US" dirty="0" smtClean="0"/>
+            <a:endParaRPr lang="en-US" dirty="0"/>
           </a:p>
           <a:p>
             <a:pPr marL="285750" indent="-285750">
               <a:buFont typeface="Arial" charset="0"/>
               <a:buChar char="•"/>
             </a:pPr>
-            <a:endParaRPr lang="en-US" dirty="0" smtClean="0"/>
+            <a:endParaRPr lang="en-US" dirty="0"/>
           </a:p>
           <a:p>
             <a:pPr marL="285750" indent="-285750">
@@ -7061,13 +7161,8 @@
           <a:p>
             <a:r>
               <a:rPr lang="en-US" dirty="0"/>
-              <a:t>1. Have a question or idea you would like to </a:t>
-            </a:r>
-            <a:r>
-              <a:rPr lang="en-US" dirty="0" smtClean="0"/>
-              <a:t>explore</a:t>
-            </a:r>
-            <a:endParaRPr lang="en-US" dirty="0"/>
+              <a:t>1. Have a question or idea you would like to explore</a:t>
+            </a:r>
           </a:p>
         </p:txBody>
       </p:sp>
@@ -7092,11 +7187,11 @@
           <a:lstStyle/>
           <a:p>
             <a:r>
-              <a:rPr lang="en-US" dirty="0" smtClean="0"/>
+              <a:rPr lang="en-US" dirty="0"/>
               <a:t>Must be </a:t>
             </a:r>
             <a:r>
-              <a:rPr lang="en-US" b="1" dirty="0" smtClean="0">
+              <a:rPr lang="en-US" b="1" dirty="0">
                 <a:solidFill>
                   <a:schemeClr val="accent2"/>
                 </a:solidFill>
@@ -7105,28 +7200,27 @@
             </a:r>
           </a:p>
           <a:p>
-            <a:endParaRPr lang="en-US" dirty="0" smtClean="0"/>
-          </a:p>
-          <a:p>
-            <a:r>
-              <a:rPr lang="en-US" i="1" dirty="0" smtClean="0"/>
+            <a:endParaRPr lang="en-US" dirty="0"/>
+          </a:p>
+          <a:p>
+            <a:r>
+              <a:rPr lang="en-US" i="1" dirty="0"/>
               <a:t>	Does income go down as people move further away from the city?</a:t>
             </a:r>
-            <a:endParaRPr lang="en-US" i="1" dirty="0"/>
-          </a:p>
-          <a:p>
-            <a:endParaRPr lang="en-US" dirty="0" smtClean="0"/>
           </a:p>
           <a:p>
             <a:endParaRPr lang="en-US" dirty="0"/>
           </a:p>
           <a:p>
-            <a:r>
-              <a:rPr lang="en-US" dirty="0" smtClean="0"/>
+            <a:endParaRPr lang="en-US" dirty="0"/>
+          </a:p>
+          <a:p>
+            <a:r>
+              <a:rPr lang="en-US" dirty="0"/>
               <a:t>Should have </a:t>
             </a:r>
             <a:r>
-              <a:rPr lang="en-US" b="1" dirty="0" smtClean="0">
+              <a:rPr lang="en-US" b="1" dirty="0">
                 <a:solidFill>
                   <a:schemeClr val="accent2"/>
                 </a:solidFill>
@@ -7134,7 +7228,7 @@
               <a:t>sound theory </a:t>
             </a:r>
             <a:r>
-              <a:rPr lang="en-US" dirty="0" smtClean="0"/>
+              <a:rPr lang="en-US" dirty="0"/>
               <a:t>behind it</a:t>
             </a:r>
           </a:p>
@@ -7143,17 +7237,17 @@
           </a:p>
           <a:p>
             <a:r>
-              <a:rPr lang="en-US" dirty="0" smtClean="0"/>
+              <a:rPr lang="en-US" dirty="0"/>
               <a:t>	</a:t>
             </a:r>
             <a:r>
-              <a:rPr lang="en-US" i="1" dirty="0" smtClean="0"/>
+              <a:rPr lang="en-US" i="1" dirty="0"/>
               <a:t>Remoteness means fewer opportunities for work, which means 	income could be lower. People move to the city in search of higher 	pay. Etc.</a:t>
             </a:r>
-            <a:endParaRPr lang="en-US" dirty="0" smtClean="0"/>
-          </a:p>
-          <a:p>
-            <a:endParaRPr lang="en-US" dirty="0" smtClean="0"/>
+            <a:endParaRPr lang="en-US" dirty="0"/>
+          </a:p>
+          <a:p>
+            <a:endParaRPr lang="en-US" dirty="0"/>
           </a:p>
           <a:p>
             <a:endParaRPr lang="en-US" dirty="0"/>
@@ -7211,18 +7305,9 @@
           <a:lstStyle/>
           <a:p>
             <a:r>
-              <a:rPr lang="en-US" dirty="0" smtClean="0"/>
-              <a:t>2a. </a:t>
-            </a:r>
-            <a:r>
-              <a:rPr lang="en-US" dirty="0"/>
-              <a:t>Find </a:t>
-            </a:r>
-            <a:r>
-              <a:rPr lang="en-US" dirty="0" smtClean="0"/>
-              <a:t>relevant data</a:t>
-            </a:r>
-            <a:endParaRPr lang="en-US" dirty="0"/>
+              <a:rPr lang="en-US" dirty="0"/>
+              <a:t>2a. Find relevant data</a:t>
+            </a:r>
           </a:p>
         </p:txBody>
       </p:sp>
@@ -7247,7 +7332,7 @@
           <a:lstStyle/>
           <a:p>
             <a:r>
-              <a:rPr lang="en-US" dirty="0" smtClean="0"/>
+              <a:rPr lang="en-US" dirty="0"/>
               <a:t>We are concerned with income per worker by location relative to the state’s capital city</a:t>
             </a:r>
           </a:p>
@@ -7256,16 +7341,16 @@
           </a:p>
           <a:p>
             <a:r>
-              <a:rPr lang="en-US" dirty="0" smtClean="0"/>
+              <a:rPr lang="en-US" dirty="0"/>
               <a:t>Luckily, ABS is great for this kind of data.	</a:t>
             </a:r>
           </a:p>
           <a:p>
-            <a:endParaRPr lang="en-US" dirty="0" smtClean="0"/>
-          </a:p>
-          <a:p>
-            <a:r>
-              <a:rPr lang="en-US" dirty="0" smtClean="0"/>
+            <a:endParaRPr lang="en-US" dirty="0"/>
+          </a:p>
+          <a:p>
+            <a:r>
+              <a:rPr lang="en-US" dirty="0"/>
               <a:t>Example:</a:t>
             </a:r>
           </a:p>
@@ -7274,58 +7359,26 @@
           </a:p>
           <a:p>
             <a:r>
-              <a:rPr lang="en-US" b="1" dirty="0" smtClean="0"/>
-              <a:t>	Estimates </a:t>
-            </a:r>
-            <a:r>
               <a:rPr lang="en-US" b="1" dirty="0"/>
-              <a:t>of Personal Income for </a:t>
-            </a:r>
-            <a:r>
-              <a:rPr lang="en-US" b="1" dirty="0" smtClean="0"/>
-              <a:t>	Small Areas</a:t>
-            </a:r>
+              <a:t>	Estimates of Personal Income for 	Small Areas, 2011-15</a:t>
+            </a:r>
+          </a:p>
+          <a:p>
+            <a:endParaRPr lang="en-US" dirty="0"/>
+          </a:p>
+          <a:p>
+            <a:r>
+              <a:rPr lang="en-US" dirty="0"/>
+              <a:t>Contains 2011 data on incomes by SA3 area</a:t>
+            </a:r>
+          </a:p>
+          <a:p>
+            <a:endParaRPr lang="en-US" dirty="0"/>
+          </a:p>
+          <a:p>
             <a:r>
               <a:rPr lang="en-US" b="1" dirty="0"/>
-              <a:t>, </a:t>
-            </a:r>
-            <a:r>
-              <a:rPr lang="en-US" b="1" dirty="0" smtClean="0"/>
-              <a:t>2011-15</a:t>
-            </a:r>
-          </a:p>
-          <a:p>
-            <a:endParaRPr lang="en-US" dirty="0"/>
-          </a:p>
-          <a:p>
-            <a:r>
-              <a:rPr lang="en-US" dirty="0" smtClean="0"/>
-              <a:t>Contains 2011 data on incomes by SA3 area</a:t>
-            </a:r>
-          </a:p>
-          <a:p>
-            <a:endParaRPr lang="en-US" dirty="0" smtClean="0"/>
-          </a:p>
-          <a:p>
-            <a:r>
-              <a:rPr lang="en-US" b="1" dirty="0" smtClean="0"/>
-              <a:t>	Table 3 ESTIMATES OF </a:t>
-            </a:r>
-            <a:r>
-              <a:rPr lang="en-US" b="1" dirty="0" smtClean="0"/>
-              <a:t>	PERSONAL INCOME</a:t>
-            </a:r>
-            <a:r>
-              <a:rPr lang="en-US" b="1" dirty="0" smtClean="0"/>
-              <a:t>, Total </a:t>
-            </a:r>
-            <a:r>
-              <a:rPr lang="en-US" b="1" dirty="0" smtClean="0"/>
-              <a:t>	Income, 2010/2011, </a:t>
-            </a:r>
-            <a:r>
-              <a:rPr lang="en-US" b="1" dirty="0" smtClean="0"/>
-              <a:t>Statistical 	Area Level 3</a:t>
+              <a:t>	Table 3 ESTIMATES OF 	PERSONAL INCOME, Total 	Income, 2010/2011, Statistical 	Area Level 3</a:t>
             </a:r>
           </a:p>
           <a:p>
@@ -7361,7 +7414,7 @@
               </a:lnSpc>
             </a:pPr>
             <a:r>
-              <a:rPr lang="en-US" sz="900" i="1" dirty="0" smtClean="0"/>
+              <a:rPr lang="en-US" sz="900" i="1" dirty="0"/>
               <a:t>Statistical Area 3 boundaries. </a:t>
             </a:r>
           </a:p>
@@ -7372,7 +7425,7 @@
               </a:lnSpc>
             </a:pPr>
             <a:r>
-              <a:rPr lang="en-US" sz="900" i="1" dirty="0" smtClean="0"/>
+              <a:rPr lang="en-US" sz="900" i="1" dirty="0"/>
               <a:t>Source: ABS </a:t>
             </a:r>
           </a:p>
@@ -7452,10 +7505,9 @@
           <a:lstStyle/>
           <a:p>
             <a:r>
-              <a:rPr lang="en-US" dirty="0" smtClean="0"/>
+              <a:rPr lang="en-US" dirty="0"/>
               <a:t>2b. Documenting your work</a:t>
             </a:r>
-            <a:endParaRPr lang="en-US" dirty="0"/>
           </a:p>
         </p:txBody>
       </p:sp>
@@ -7480,7 +7532,7 @@
           <a:lstStyle/>
           <a:p>
             <a:r>
-              <a:rPr lang="en-US" b="1" dirty="0" smtClean="0">
+              <a:rPr lang="en-US" b="1" dirty="0">
                 <a:solidFill>
                   <a:schemeClr val="accent2"/>
                 </a:solidFill>
@@ -7488,7 +7540,7 @@
               <a:t>“Hit by a bus”</a:t>
             </a:r>
             <a:r>
-              <a:rPr lang="en-US" dirty="0" smtClean="0"/>
+              <a:rPr lang="en-US" dirty="0"/>
               <a:t> rule</a:t>
             </a:r>
           </a:p>
@@ -7497,17 +7549,16 @@
           </a:p>
           <a:p>
             <a:r>
-              <a:rPr lang="en-US" dirty="0" smtClean="0"/>
+              <a:rPr lang="en-US" dirty="0"/>
               <a:t>Make sure your work is replicable</a:t>
             </a:r>
+          </a:p>
+          <a:p>
             <a:endParaRPr lang="en-US" dirty="0"/>
           </a:p>
           <a:p>
-            <a:endParaRPr lang="en-US" dirty="0" smtClean="0"/>
-          </a:p>
-          <a:p>
-            <a:r>
-              <a:rPr lang="en-US" dirty="0" smtClean="0"/>
+            <a:r>
+              <a:rPr lang="en-US" dirty="0"/>
               <a:t>Make sure your work is easy to read/understand by others</a:t>
             </a:r>
           </a:p>
@@ -7564,10 +7615,9 @@
           <a:lstStyle/>
           <a:p>
             <a:r>
-              <a:rPr lang="en-US" dirty="0" smtClean="0"/>
+              <a:rPr lang="en-US" dirty="0"/>
               <a:t>2c. Check data</a:t>
             </a:r>
-            <a:endParaRPr lang="en-US" dirty="0"/>
           </a:p>
         </p:txBody>
       </p:sp>
@@ -7592,7 +7642,7 @@
           <a:lstStyle/>
           <a:p>
             <a:r>
-              <a:rPr lang="en-US" b="1" dirty="0" smtClean="0">
+              <a:rPr lang="en-US" b="1" dirty="0">
                 <a:solidFill>
                   <a:schemeClr val="accent2"/>
                 </a:solidFill>
@@ -7600,7 +7650,7 @@
               <a:t>Sensibility checks</a:t>
             </a:r>
             <a:r>
-              <a:rPr lang="en-US" dirty="0" smtClean="0">
+              <a:rPr lang="en-US" dirty="0">
                 <a:solidFill>
                   <a:schemeClr val="accent2"/>
                 </a:solidFill>
@@ -7613,78 +7663,64 @@
               <a:rPr lang="en-US" dirty="0"/>
               <a:t>	</a:t>
             </a:r>
-            <a:endParaRPr lang="en-US" dirty="0" smtClean="0"/>
-          </a:p>
-          <a:p>
-            <a:r>
-              <a:rPr lang="en-US" dirty="0" smtClean="0"/>
+          </a:p>
+          <a:p>
+            <a:r>
+              <a:rPr lang="en-US" dirty="0"/>
               <a:t>	Does this </a:t>
             </a:r>
             <a:r>
-              <a:rPr lang="en-US" i="1" dirty="0" smtClean="0"/>
+              <a:rPr lang="en-US" i="1" dirty="0"/>
               <a:t>look </a:t>
             </a:r>
             <a:r>
-              <a:rPr lang="en-US" dirty="0" smtClean="0"/>
+              <a:rPr lang="en-US" dirty="0"/>
               <a:t>right?</a:t>
             </a:r>
           </a:p>
           <a:p>
-            <a:endParaRPr lang="en-US" dirty="0" smtClean="0"/>
-          </a:p>
-          <a:p>
             <a:endParaRPr lang="en-US" dirty="0"/>
           </a:p>
           <a:p>
-            <a:r>
-              <a:rPr lang="en-US" dirty="0" smtClean="0"/>
+            <a:endParaRPr lang="en-US" dirty="0"/>
+          </a:p>
+          <a:p>
+            <a:r>
+              <a:rPr lang="en-US" dirty="0"/>
               <a:t>Coding issues:</a:t>
             </a:r>
           </a:p>
           <a:p>
-            <a:endParaRPr lang="en-US" dirty="0" smtClean="0"/>
-          </a:p>
-          <a:p>
-            <a:r>
-              <a:rPr lang="en-US" dirty="0"/>
-              <a:t>	Why are there so many </a:t>
-            </a:r>
-            <a:r>
-              <a:rPr lang="en-US" dirty="0" smtClean="0"/>
-              <a:t>114 </a:t>
-            </a:r>
-            <a:r>
-              <a:rPr lang="en-US" dirty="0"/>
-              <a:t>year olds going to </a:t>
+            <a:endParaRPr lang="en-US" dirty="0"/>
+          </a:p>
+          <a:p>
+            <a:r>
+              <a:rPr lang="en-US" dirty="0"/>
+              <a:t>	Why are there so many 114 year olds going to </a:t>
             </a:r>
             <a:r>
               <a:rPr lang="en-US" dirty="0" err="1"/>
               <a:t>uni</a:t>
             </a:r>
             <a:r>
-              <a:rPr lang="en-US" dirty="0" smtClean="0"/>
+              <a:rPr lang="en-US" dirty="0"/>
               <a:t>?</a:t>
             </a:r>
+          </a:p>
+          <a:p>
             <a:endParaRPr lang="en-US" dirty="0"/>
           </a:p>
           <a:p>
-            <a:endParaRPr lang="en-US" dirty="0" smtClean="0"/>
-          </a:p>
-          <a:p>
-            <a:r>
-              <a:rPr lang="en-US" dirty="0"/>
-              <a:t>	I</a:t>
-            </a:r>
-            <a:r>
-              <a:rPr lang="en-US" dirty="0" smtClean="0"/>
-              <a:t>f a Department defaults </a:t>
-            </a:r>
-            <a:r>
-              <a:rPr lang="en-US" i="1" dirty="0" smtClean="0"/>
+            <a:r>
+              <a:rPr lang="en-US" dirty="0"/>
+              <a:t>	If a Department defaults </a:t>
+            </a:r>
+            <a:r>
+              <a:rPr lang="en-US" i="1" dirty="0"/>
               <a:t>1901</a:t>
             </a:r>
             <a:r>
-              <a:rPr lang="en-US" dirty="0" smtClean="0"/>
+              <a:rPr lang="en-US" dirty="0"/>
               <a:t> for an unknown birth year, it could 	significantly affect your mean calculation. </a:t>
             </a:r>
           </a:p>
@@ -7693,7 +7729,7 @@
           </a:p>
           <a:p>
             <a:r>
-              <a:rPr lang="en-US" dirty="0" smtClean="0"/>
+              <a:rPr lang="en-US" dirty="0"/>
               <a:t>	What happens to inevitable missing values?</a:t>
             </a:r>
           </a:p>
@@ -7702,10 +7738,9 @@
           </a:p>
           <a:p>
             <a:r>
-              <a:rPr lang="en-US" dirty="0" smtClean="0"/>
+              <a:rPr lang="en-US" dirty="0"/>
               <a:t>	How else is data coded? What do the codes mean? </a:t>
             </a:r>
-            <a:endParaRPr lang="en-US" dirty="0"/>
           </a:p>
           <a:p>
             <a:endParaRPr lang="en-US" dirty="0"/>
@@ -7798,7 +7833,7 @@
               </a:lnSpc>
             </a:pPr>
             <a:r>
-              <a:rPr lang="en-US" sz="3600" b="1" dirty="0" smtClean="0">
+              <a:rPr lang="en-US" sz="3600" b="1" dirty="0">
                 <a:solidFill>
                   <a:schemeClr val="accent2"/>
                 </a:solidFill>
@@ -7836,15 +7871,23 @@
               </a:lnSpc>
             </a:pPr>
             <a:r>
-              <a:rPr lang="en-US" sz="1800" dirty="0" smtClean="0"/>
-              <a:t>Density of higher education enrolments 2005 </a:t>
-            </a:r>
-            <a:r>
-              <a:rPr lang="mr-IN" sz="1800" dirty="0" smtClean="0"/>
+              <a:rPr lang="en-US" sz="1800" dirty="0"/>
+              <a:t>(</a:t>
+            </a:r>
+            <a:r>
+              <a:rPr lang="en-US" sz="1800" dirty="0" err="1"/>
+              <a:t>eg</a:t>
+            </a:r>
+            <a:r>
+              <a:rPr lang="en-US" sz="1800" dirty="0"/>
+              <a:t>) Density of higher education enrolments 2005 </a:t>
+            </a:r>
+            <a:r>
+              <a:rPr lang="mr-IN" sz="1800" dirty="0"/>
               <a:t>–</a:t>
             </a:r>
             <a:r>
-              <a:rPr lang="en-US" sz="1800" dirty="0" smtClean="0"/>
+              <a:rPr lang="en-US" sz="1800" dirty="0"/>
               <a:t> 2015 by age</a:t>
             </a:r>
           </a:p>
@@ -7901,10 +7944,9 @@
           <a:lstStyle/>
           <a:p>
             <a:r>
-              <a:rPr lang="en-US" dirty="0" smtClean="0"/>
+              <a:rPr lang="en-US" dirty="0"/>
               <a:t>2c. Check data</a:t>
             </a:r>
-            <a:endParaRPr lang="en-US" dirty="0"/>
           </a:p>
         </p:txBody>
       </p:sp>
@@ -7921,7 +7963,7 @@
         <p:spPr>
           <a:xfrm>
             <a:off x="647701" y="1194618"/>
-            <a:ext cx="7994494" cy="3050066"/>
+            <a:ext cx="7994494" cy="3712748"/>
           </a:xfrm>
         </p:spPr>
         <p:txBody>
@@ -7929,7 +7971,7 @@
           <a:lstStyle/>
           <a:p>
             <a:r>
-              <a:rPr lang="en-US" b="1" dirty="0" smtClean="0">
+              <a:rPr lang="en-US" b="1" dirty="0">
                 <a:solidFill>
                   <a:schemeClr val="accent2"/>
                 </a:solidFill>
@@ -7937,7 +7979,7 @@
               <a:t>Sensibility checks</a:t>
             </a:r>
             <a:r>
-              <a:rPr lang="en-US" dirty="0" smtClean="0">
+              <a:rPr lang="en-US" dirty="0">
                 <a:solidFill>
                   <a:schemeClr val="accent2"/>
                 </a:solidFill>
@@ -7950,37 +7992,37 @@
               <a:rPr lang="en-US" dirty="0"/>
               <a:t>	</a:t>
             </a:r>
-            <a:endParaRPr lang="en-US" dirty="0" smtClean="0"/>
-          </a:p>
-          <a:p>
-            <a:r>
-              <a:rPr lang="en-US" dirty="0" smtClean="0"/>
+          </a:p>
+          <a:p>
+            <a:r>
+              <a:rPr lang="en-US" dirty="0"/>
               <a:t>	Does this </a:t>
             </a:r>
             <a:r>
-              <a:rPr lang="en-US" i="1" dirty="0" smtClean="0"/>
+              <a:rPr lang="en-US" i="1" dirty="0"/>
               <a:t>look </a:t>
             </a:r>
             <a:r>
-              <a:rPr lang="en-US" dirty="0" smtClean="0"/>
+              <a:rPr lang="en-US" dirty="0"/>
               <a:t>right?</a:t>
             </a:r>
           </a:p>
           <a:p>
-            <a:endParaRPr lang="en-US" dirty="0" smtClean="0"/>
-          </a:p>
-          <a:p>
-            <a:r>
-              <a:rPr lang="en-US" b="1" dirty="0" smtClean="0"/>
-              <a:t>Read </a:t>
-            </a:r>
+            <a:r>
+              <a:rPr lang="en-US" dirty="0"/>
+              <a:t>	If not, why? What could be going on?</a:t>
+            </a:r>
+          </a:p>
+          <a:p>
+            <a:endParaRPr lang="en-US" dirty="0"/>
+          </a:p>
+          <a:p>
+            <a:endParaRPr lang="en-US" dirty="0"/>
+          </a:p>
+          <a:p>
             <a:r>
               <a:rPr lang="en-US" b="1" dirty="0"/>
-              <a:t>explanatory notes/data </a:t>
-            </a:r>
-            <a:r>
-              <a:rPr lang="en-US" b="1" dirty="0" smtClean="0"/>
-              <a:t>appendices/etc</a:t>
+              <a:t>Read explanatory notes/data appendices/etc</a:t>
             </a:r>
           </a:p>
           <a:p>
@@ -7988,35 +8030,26 @@
           </a:p>
           <a:p>
             <a:r>
-              <a:rPr lang="en-US" b="1" dirty="0" smtClean="0"/>
+              <a:rPr lang="en-US" b="1" dirty="0"/>
               <a:t>Data coding issues</a:t>
             </a:r>
           </a:p>
           <a:p>
-            <a:endParaRPr lang="en-US" dirty="0" smtClean="0"/>
-          </a:p>
-          <a:p>
-            <a:r>
-              <a:rPr lang="en-US" dirty="0"/>
-              <a:t>	Why are there so many </a:t>
-            </a:r>
-            <a:r>
-              <a:rPr lang="en-US" dirty="0" smtClean="0"/>
-              <a:t>114 </a:t>
-            </a:r>
-            <a:r>
-              <a:rPr lang="en-US" dirty="0"/>
-              <a:t>year olds going to </a:t>
+            <a:endParaRPr lang="en-US" dirty="0"/>
+          </a:p>
+          <a:p>
+            <a:r>
+              <a:rPr lang="en-US" dirty="0"/>
+              <a:t>	Why are there so many 114 year olds going to </a:t>
             </a:r>
             <a:r>
               <a:rPr lang="en-US" dirty="0" err="1"/>
               <a:t>uni</a:t>
             </a:r>
             <a:r>
-              <a:rPr lang="en-US" dirty="0" smtClean="0"/>
+              <a:rPr lang="en-US" dirty="0"/>
               <a:t>?</a:t>
             </a:r>
-            <a:endParaRPr lang="en-US" dirty="0"/>
           </a:p>
         </p:txBody>
       </p:sp>
@@ -8071,10 +8104,9 @@
           <a:lstStyle/>
           <a:p>
             <a:r>
-              <a:rPr lang="en-US" dirty="0" smtClean="0"/>
+              <a:rPr lang="en-US" dirty="0"/>
               <a:t>2d. Generating more useful data</a:t>
             </a:r>
-            <a:endParaRPr lang="en-US" dirty="0"/>
           </a:p>
         </p:txBody>
       </p:sp>
@@ -8091,7 +8123,7 @@
         <p:spPr>
           <a:xfrm>
             <a:off x="1761893" y="1268760"/>
-            <a:ext cx="6166624" cy="4765920"/>
+            <a:ext cx="6166624" cy="5046959"/>
           </a:xfrm>
         </p:spPr>
         <p:txBody>
@@ -8099,78 +8131,66 @@
           <a:lstStyle/>
           <a:p>
             <a:r>
-              <a:rPr lang="en-US" b="1" dirty="0" smtClean="0"/>
+              <a:rPr lang="en-US" b="1" dirty="0"/>
               <a:t>Income per person</a:t>
             </a:r>
           </a:p>
           <a:p>
             <a:r>
               <a:rPr lang="en-US" dirty="0"/>
-              <a:t>	</a:t>
-            </a:r>
-            <a:r>
-              <a:rPr lang="en-US" dirty="0" smtClean="0"/>
-              <a:t>Easy!</a:t>
+              <a:t>	Easy!</a:t>
             </a:r>
           </a:p>
           <a:p>
             <a:endParaRPr lang="en-US" dirty="0"/>
           </a:p>
           <a:p>
-            <a:endParaRPr lang="en-US" dirty="0" smtClean="0"/>
-          </a:p>
-          <a:p>
-            <a:endParaRPr lang="en-US" dirty="0" smtClean="0"/>
-          </a:p>
-          <a:p>
-            <a:r>
-              <a:rPr lang="en-US" b="1" dirty="0" smtClean="0"/>
+            <a:endParaRPr lang="en-US" dirty="0"/>
+          </a:p>
+          <a:p>
+            <a:endParaRPr lang="en-US" dirty="0"/>
+          </a:p>
+          <a:p>
+            <a:r>
+              <a:rPr lang="en-US" b="1" dirty="0"/>
               <a:t>Google Maps API</a:t>
             </a:r>
           </a:p>
           <a:p>
             <a:r>
-              <a:rPr lang="en-US" dirty="0" smtClean="0"/>
-              <a:t>	Relatively easy, but </a:t>
-            </a:r>
-            <a:r>
-              <a:rPr lang="en-US" dirty="0"/>
-              <a:t>y</a:t>
-            </a:r>
-            <a:r>
-              <a:rPr lang="en-US" dirty="0" smtClean="0"/>
-              <a:t>ou’ll need to back it up</a:t>
-            </a:r>
+              <a:rPr lang="en-US" dirty="0"/>
+              <a:t>	Relatively easy, but you’ll need to back it up</a:t>
+            </a:r>
+          </a:p>
+          <a:p>
             <a:endParaRPr lang="en-US" dirty="0"/>
           </a:p>
           <a:p>
-            <a:endParaRPr lang="en-US" dirty="0" smtClean="0"/>
-          </a:p>
-          <a:p>
             <a:endParaRPr lang="en-US" dirty="0"/>
           </a:p>
           <a:p>
             <a:endParaRPr lang="en-US" dirty="0"/>
           </a:p>
           <a:p>
-            <a:endParaRPr lang="en-US" dirty="0" smtClean="0"/>
-          </a:p>
-          <a:p>
-            <a:r>
-              <a:rPr lang="en-US" b="1" dirty="0" smtClean="0"/>
+            <a:endParaRPr lang="en-US" dirty="0"/>
+          </a:p>
+          <a:p>
+            <a:r>
+              <a:rPr lang="en-US" b="1" dirty="0"/>
               <a:t>Collecting new data</a:t>
             </a:r>
           </a:p>
           <a:p>
             <a:r>
               <a:rPr lang="en-US" dirty="0"/>
-              <a:t>	</a:t>
-            </a:r>
-            <a:r>
-              <a:rPr lang="en-US" dirty="0" smtClean="0"/>
-              <a:t>Very difficult, but great if you can do it</a:t>
-            </a:r>
-            <a:endParaRPr lang="en-US" dirty="0"/>
+              <a:t>	Difficult, and takes a lot of work, </a:t>
+            </a:r>
+          </a:p>
+          <a:p>
+            <a:r>
+              <a:rPr lang="en-US" dirty="0"/>
+              <a:t>	but nice if you can do it</a:t>
+            </a:r>
           </a:p>
           <a:p>
             <a:endParaRPr lang="en-US" dirty="0"/>
@@ -8227,7 +8247,7 @@
               <a:buNone/>
               <a:tabLst/>
             </a:pPr>
-            <a:endParaRPr kumimoji="0" lang="en-US" sz="2400" b="0" i="0" u="none" strike="noStrike" cap="none" normalizeH="0" baseline="0" smtClean="0">
+            <a:endParaRPr kumimoji="0" lang="en-US" sz="2400" b="0" i="0" u="none" strike="noStrike" cap="none" normalizeH="0" baseline="0">
               <a:ln>
                 <a:noFill/>
               </a:ln>
@@ -8291,7 +8311,7 @@
               <a:buNone/>
               <a:tabLst/>
             </a:pPr>
-            <a:endParaRPr kumimoji="0" lang="en-US" sz="2400" b="0" i="0" u="none" strike="noStrike" cap="none" normalizeH="0" baseline="0" smtClean="0">
+            <a:endParaRPr kumimoji="0" lang="en-US" sz="2400" b="0" i="0" u="none" strike="noStrike" cap="none" normalizeH="0" baseline="0">
               <a:ln>
                 <a:noFill/>
               </a:ln>
